--- a/fullstack/projeto1/history music.pptx
+++ b/fullstack/projeto1/history music.pptx
@@ -30,11 +30,10 @@
     <p:sldId id="281" r:id="rId24"/>
     <p:sldId id="282" r:id="rId25"/>
     <p:sldId id="283" r:id="rId26"/>
-    <p:sldId id="284" r:id="rId27"/>
-    <p:sldId id="286" r:id="rId28"/>
-    <p:sldId id="285" r:id="rId29"/>
-    <p:sldId id="287" r:id="rId30"/>
-    <p:sldId id="288" r:id="rId31"/>
+    <p:sldId id="286" r:id="rId27"/>
+    <p:sldId id="285" r:id="rId28"/>
+    <p:sldId id="287" r:id="rId29"/>
+    <p:sldId id="288" r:id="rId30"/>
   </p:sldIdLst>
   <p:sldSz cx="9144000" cy="6858000" type="screen4x3"/>
   <p:notesSz cx="6858000" cy="9144000"/>
@@ -164,8 +163,8 @@
 <pc:chgInfo xmlns:a="http://schemas.openxmlformats.org/drawingml/2006/main" xmlns:r="http://schemas.openxmlformats.org/officeDocument/2006/relationships" xmlns:ac="http://schemas.microsoft.com/office/drawing/2013/main/command" xmlns:pc="http://schemas.microsoft.com/office/powerpoint/2013/main/command">
   <pc:docChgLst>
     <pc:chgData name="Marcus Rodrigues Nogueira de Macedo" userId="7f8c6c2b79a6e5ea" providerId="LiveId" clId="{E432CE47-5AE7-4CB1-93A2-0583C9DA253F}"/>
-    <pc:docChg chg="undo custSel modSld">
-      <pc:chgData name="Marcus Rodrigues Nogueira de Macedo" userId="7f8c6c2b79a6e5ea" providerId="LiveId" clId="{E432CE47-5AE7-4CB1-93A2-0583C9DA253F}" dt="2020-11-02T23:14:43.292" v="8" actId="1076"/>
+    <pc:docChg chg="undo custSel delSld modSld">
+      <pc:chgData name="Marcus Rodrigues Nogueira de Macedo" userId="7f8c6c2b79a6e5ea" providerId="LiveId" clId="{E432CE47-5AE7-4CB1-93A2-0583C9DA253F}" dt="2020-11-14T20:12:27.950" v="11" actId="47"/>
       <pc:docMkLst>
         <pc:docMk/>
       </pc:docMkLst>
@@ -199,6 +198,21 @@
           </ac:picMkLst>
         </pc:picChg>
       </pc:sldChg>
+      <pc:sldChg chg="addSp delSp del mod">
+        <pc:chgData name="Marcus Rodrigues Nogueira de Macedo" userId="7f8c6c2b79a6e5ea" providerId="LiveId" clId="{E432CE47-5AE7-4CB1-93A2-0583C9DA253F}" dt="2020-11-14T20:12:27.950" v="11" actId="47"/>
+        <pc:sldMkLst>
+          <pc:docMk/>
+          <pc:sldMk cId="1472436113" sldId="284"/>
+        </pc:sldMkLst>
+        <pc:picChg chg="add del">
+          <ac:chgData name="Marcus Rodrigues Nogueira de Macedo" userId="7f8c6c2b79a6e5ea" providerId="LiveId" clId="{E432CE47-5AE7-4CB1-93A2-0583C9DA253F}" dt="2020-11-14T20:12:14.560" v="10" actId="22"/>
+          <ac:picMkLst>
+            <pc:docMk/>
+            <pc:sldMk cId="1472436113" sldId="284"/>
+            <ac:picMk id="3" creationId="{E4BB1083-3F34-40BD-B6E9-3C2881E7EF3D}"/>
+          </ac:picMkLst>
+        </pc:picChg>
+      </pc:sldChg>
     </pc:docChg>
   </pc:docChgLst>
 </pc:chgInfo>
@@ -421,7 +435,7 @@
           <a:p>
             <a:fld id="{8D3E9113-84F6-404A-8811-DADFCA3D4A90}" type="datetimeFigureOut">
               <a:rPr lang="pt-BR" smtClean="0"/>
-              <a:t>02/11/2020</a:t>
+              <a:t>14/11/2020</a:t>
             </a:fld>
             <a:endParaRPr lang="pt-BR"/>
           </a:p>
@@ -586,7 +600,7 @@
           <a:p>
             <a:fld id="{8D3E9113-84F6-404A-8811-DADFCA3D4A90}" type="datetimeFigureOut">
               <a:rPr lang="pt-BR" smtClean="0"/>
-              <a:t>02/11/2020</a:t>
+              <a:t>14/11/2020</a:t>
             </a:fld>
             <a:endParaRPr lang="pt-BR"/>
           </a:p>
@@ -761,7 +775,7 @@
           <a:p>
             <a:fld id="{8D3E9113-84F6-404A-8811-DADFCA3D4A90}" type="datetimeFigureOut">
               <a:rPr lang="pt-BR" smtClean="0"/>
-              <a:t>02/11/2020</a:t>
+              <a:t>14/11/2020</a:t>
             </a:fld>
             <a:endParaRPr lang="pt-BR"/>
           </a:p>
@@ -931,7 +945,7 @@
           <a:p>
             <a:fld id="{8D3E9113-84F6-404A-8811-DADFCA3D4A90}" type="datetimeFigureOut">
               <a:rPr lang="pt-BR" smtClean="0"/>
-              <a:t>02/11/2020</a:t>
+              <a:t>14/11/2020</a:t>
             </a:fld>
             <a:endParaRPr lang="pt-BR"/>
           </a:p>
@@ -1054,7 +1068,7 @@
           <a:p>
             <a:fld id="{8D3E9113-84F6-404A-8811-DADFCA3D4A90}" type="datetimeFigureOut">
               <a:rPr lang="pt-BR" smtClean="0"/>
-              <a:t>02/11/2020</a:t>
+              <a:t>14/11/2020</a:t>
             </a:fld>
             <a:endParaRPr lang="pt-BR"/>
           </a:p>
@@ -1444,7 +1458,7 @@
           <a:p>
             <a:fld id="{8D3E9113-84F6-404A-8811-DADFCA3D4A90}" type="datetimeFigureOut">
               <a:rPr lang="pt-BR" smtClean="0"/>
-              <a:t>02/11/2020</a:t>
+              <a:t>14/11/2020</a:t>
             </a:fld>
             <a:endParaRPr lang="pt-BR"/>
           </a:p>
@@ -1933,7 +1947,7 @@
           <a:p>
             <a:fld id="{8D3E9113-84F6-404A-8811-DADFCA3D4A90}" type="datetimeFigureOut">
               <a:rPr lang="pt-BR" smtClean="0"/>
-              <a:t>02/11/2020</a:t>
+              <a:t>14/11/2020</a:t>
             </a:fld>
             <a:endParaRPr lang="pt-BR"/>
           </a:p>
@@ -2046,7 +2060,7 @@
           <a:p>
             <a:fld id="{8D3E9113-84F6-404A-8811-DADFCA3D4A90}" type="datetimeFigureOut">
               <a:rPr lang="pt-BR" smtClean="0"/>
-              <a:t>02/11/2020</a:t>
+              <a:t>14/11/2020</a:t>
             </a:fld>
             <a:endParaRPr lang="pt-BR"/>
           </a:p>
@@ -2169,7 +2183,7 @@
           <a:p>
             <a:fld id="{8D3E9113-84F6-404A-8811-DADFCA3D4A90}" type="datetimeFigureOut">
               <a:rPr lang="pt-BR" smtClean="0"/>
-              <a:t>02/11/2020</a:t>
+              <a:t>14/11/2020</a:t>
             </a:fld>
             <a:endParaRPr lang="pt-BR"/>
           </a:p>
@@ -2358,7 +2372,7 @@
           <a:p>
             <a:fld id="{8D3E9113-84F6-404A-8811-DADFCA3D4A90}" type="datetimeFigureOut">
               <a:rPr lang="pt-BR" smtClean="0"/>
-              <a:t>02/11/2020</a:t>
+              <a:t>14/11/2020</a:t>
             </a:fld>
             <a:endParaRPr lang="pt-BR"/>
           </a:p>
@@ -2741,7 +2755,7 @@
           <a:p>
             <a:fld id="{8D3E9113-84F6-404A-8811-DADFCA3D4A90}" type="datetimeFigureOut">
               <a:rPr lang="pt-BR" smtClean="0"/>
-              <a:t>02/11/2020</a:t>
+              <a:t>14/11/2020</a:t>
             </a:fld>
             <a:endParaRPr lang="pt-BR"/>
           </a:p>
@@ -2977,7 +2991,7 @@
           <a:p>
             <a:fld id="{8D3E9113-84F6-404A-8811-DADFCA3D4A90}" type="datetimeFigureOut">
               <a:rPr lang="pt-BR" smtClean="0"/>
-              <a:t>02/11/2020</a:t>
+              <a:t>14/11/2020</a:t>
             </a:fld>
             <a:endParaRPr lang="pt-BR"/>
           </a:p>
@@ -11245,105 +11259,7 @@
       </p:grpSpPr>
       <p:sp>
         <p:nvSpPr>
-          <p:cNvPr id="4" name="Título 1"/>
-          <p:cNvSpPr txBox="1">
-            <a:spLocks/>
-          </p:cNvSpPr>
-          <p:nvPr/>
-        </p:nvSpPr>
-        <p:spPr>
-          <a:xfrm>
-            <a:off x="1828800" y="2971800"/>
-            <a:ext cx="5562600" cy="1295400"/>
-          </a:xfrm>
-          <a:prstGeom prst="rect">
-            <a:avLst/>
-          </a:prstGeom>
-        </p:spPr>
-        <p:txBody>
-          <a:bodyPr vert="horz" lIns="91440" tIns="45720" rIns="91440" bIns="45720" rtlCol="0" anchor="b" anchorCtr="0">
-            <a:noAutofit/>
-          </a:bodyPr>
-          <a:lstStyle>
-            <a:lvl1pPr algn="ctr" defTabSz="914400" rtl="0" eaLnBrk="1" latinLnBrk="0" hangingPunct="1">
-              <a:spcBef>
-                <a:spcPct val="0"/>
-              </a:spcBef>
-              <a:buNone/>
-              <a:defRPr sz="3600" kern="1200" cap="all" spc="300" baseline="0">
-                <a:solidFill>
-                  <a:schemeClr val="tx1"/>
-                </a:solidFill>
-                <a:latin typeface="+mj-lt"/>
-                <a:ea typeface="+mj-ea"/>
-                <a:cs typeface="+mj-cs"/>
-              </a:defRPr>
-            </a:lvl1pPr>
-            <a:lvl2pPr eaLnBrk="1" hangingPunct="1">
-              <a:defRPr>
-                <a:solidFill>
-                  <a:schemeClr val="tx2"/>
-                </a:solidFill>
-              </a:defRPr>
-            </a:lvl2pPr>
-            <a:lvl3pPr eaLnBrk="1" hangingPunct="1">
-              <a:defRPr>
-                <a:solidFill>
-                  <a:schemeClr val="tx2"/>
-                </a:solidFill>
-              </a:defRPr>
-            </a:lvl3pPr>
-            <a:lvl4pPr eaLnBrk="1" hangingPunct="1">
-              <a:defRPr>
-                <a:solidFill>
-                  <a:schemeClr val="tx2"/>
-                </a:solidFill>
-              </a:defRPr>
-            </a:lvl4pPr>
-            <a:lvl5pPr eaLnBrk="1" hangingPunct="1">
-              <a:defRPr>
-                <a:solidFill>
-                  <a:schemeClr val="tx2"/>
-                </a:solidFill>
-              </a:defRPr>
-            </a:lvl5pPr>
-            <a:lvl6pPr eaLnBrk="1" hangingPunct="1">
-              <a:defRPr>
-                <a:solidFill>
-                  <a:schemeClr val="tx2"/>
-                </a:solidFill>
-              </a:defRPr>
-            </a:lvl6pPr>
-            <a:lvl7pPr eaLnBrk="1" hangingPunct="1">
-              <a:defRPr>
-                <a:solidFill>
-                  <a:schemeClr val="tx2"/>
-                </a:solidFill>
-              </a:defRPr>
-            </a:lvl7pPr>
-            <a:lvl8pPr eaLnBrk="1" hangingPunct="1">
-              <a:defRPr>
-                <a:solidFill>
-                  <a:schemeClr val="tx2"/>
-                </a:solidFill>
-              </a:defRPr>
-            </a:lvl8pPr>
-            <a:lvl9pPr eaLnBrk="1" hangingPunct="1">
-              <a:defRPr>
-                <a:solidFill>
-                  <a:schemeClr val="tx2"/>
-                </a:solidFill>
-              </a:defRPr>
-            </a:lvl9pPr>
-          </a:lstStyle>
-          <a:p>
-            <a:endParaRPr lang="pt-BR" sz="8800" dirty="0"/>
-          </a:p>
-        </p:txBody>
-      </p:sp>
-      <p:sp>
-        <p:nvSpPr>
-          <p:cNvPr id="5" name="Título 4"/>
+          <p:cNvPr id="2" name="Título 1"/>
           <p:cNvSpPr>
             <a:spLocks noGrp="1"/>
           </p:cNvSpPr>
@@ -11353,8 +11269,8 @@
         </p:nvSpPr>
         <p:spPr>
           <a:xfrm>
-            <a:off x="1905000" y="1219200"/>
-            <a:ext cx="5257800" cy="914400"/>
+            <a:off x="762000" y="990600"/>
+            <a:ext cx="7467600" cy="1246909"/>
           </a:xfrm>
         </p:spPr>
         <p:txBody>
@@ -11364,22 +11280,178 @@
           <a:lstStyle/>
           <a:p>
             <a:r>
-              <a:rPr lang="pt-BR" sz="7200" dirty="0"/>
-              <a:t>Wagner</a:t>
-            </a:r>
-          </a:p>
-        </p:txBody>
-      </p:sp>
-      <p:sp>
-        <p:nvSpPr>
-          <p:cNvPr id="7" name="CaixaDeTexto 6"/>
+              <a:rPr lang="pt-BR" sz="8000" dirty="0" err="1"/>
+              <a:t>Modernism</a:t>
+            </a:r>
+            <a:endParaRPr lang="pt-BR" sz="8000" dirty="0"/>
+          </a:p>
+        </p:txBody>
+      </p:sp>
+      <p:sp>
+        <p:nvSpPr>
+          <p:cNvPr id="3" name="Espaço Reservado para Conteúdo 2"/>
+          <p:cNvSpPr>
+            <a:spLocks noGrp="1"/>
+          </p:cNvSpPr>
+          <p:nvPr>
+            <p:ph idx="1"/>
+          </p:nvPr>
+        </p:nvSpPr>
+        <p:spPr>
+          <a:xfrm>
+            <a:off x="990600" y="2438400"/>
+            <a:ext cx="7086600" cy="2971799"/>
+          </a:xfrm>
+        </p:spPr>
+        <p:txBody>
+          <a:bodyPr>
+            <a:normAutofit fontScale="92500" lnSpcReduction="20000"/>
+          </a:bodyPr>
+          <a:lstStyle/>
+          <a:p>
+            <a:r>
+              <a:rPr lang="en-AU" sz="2400" b="1" dirty="0"/>
+              <a:t> From the 19</a:t>
+            </a:r>
+            <a:r>
+              <a:rPr lang="en-AU" sz="2400" b="1" baseline="30000" dirty="0"/>
+              <a:t>th</a:t>
+            </a:r>
+            <a:r>
+              <a:rPr lang="en-AU" sz="2400" b="1" dirty="0"/>
+              <a:t> century to 20</a:t>
+            </a:r>
+            <a:r>
+              <a:rPr lang="en-AU" sz="2400" b="1" baseline="30000" dirty="0"/>
+              <a:t>th</a:t>
+            </a:r>
+            <a:r>
+              <a:rPr lang="en-AU" sz="2400" b="1" dirty="0"/>
+              <a:t> century in Europe;</a:t>
+            </a:r>
+          </a:p>
+          <a:p>
+            <a:r>
+              <a:rPr lang="en-AU" sz="2400" b="1" dirty="0"/>
+              <a:t> Conjunct of cultural </a:t>
+            </a:r>
+            <a:r>
+              <a:rPr lang="en-AU" sz="2400" b="1" dirty="0" err="1"/>
+              <a:t>movememt</a:t>
+            </a:r>
+            <a:r>
+              <a:rPr lang="en-AU" sz="2400" b="1" dirty="0"/>
+              <a:t>;</a:t>
+            </a:r>
+          </a:p>
+          <a:p>
+            <a:r>
+              <a:rPr lang="en-AU" sz="2400" b="1" dirty="0"/>
+              <a:t> Definition;</a:t>
+            </a:r>
+          </a:p>
+          <a:p>
+            <a:r>
+              <a:rPr lang="en-AU" sz="2400" b="1" dirty="0"/>
+              <a:t> Reality versus </a:t>
+            </a:r>
+            <a:r>
+              <a:rPr lang="en-AU" sz="2400" b="1" u="sng" dirty="0"/>
+              <a:t>Subjective</a:t>
+            </a:r>
+            <a:r>
+              <a:rPr lang="en-AU" sz="2400" b="1" dirty="0"/>
+              <a:t>;</a:t>
+            </a:r>
+          </a:p>
+          <a:p>
+            <a:pPr>
+              <a:lnSpc>
+                <a:spcPct val="110000"/>
+              </a:lnSpc>
+            </a:pPr>
+            <a:r>
+              <a:rPr lang="pt-BR" sz="2400" b="1" dirty="0"/>
+              <a:t> </a:t>
+            </a:r>
+            <a:r>
+              <a:rPr lang="pt-BR" sz="2400" b="1" dirty="0" err="1"/>
+              <a:t>Initialy</a:t>
+            </a:r>
+            <a:r>
+              <a:rPr lang="pt-BR" sz="2400" b="1" dirty="0"/>
+              <a:t>, in </a:t>
+            </a:r>
+            <a:r>
+              <a:rPr lang="pt-BR" sz="2400" b="1" dirty="0" err="1"/>
+              <a:t>Brazil</a:t>
+            </a:r>
+            <a:r>
+              <a:rPr lang="pt-BR" sz="2400" b="1" dirty="0"/>
+              <a:t> </a:t>
+            </a:r>
+            <a:r>
+              <a:rPr lang="pt-BR" sz="2400" b="1" dirty="0" err="1"/>
+              <a:t>this</a:t>
+            </a:r>
+            <a:r>
+              <a:rPr lang="pt-BR" sz="2400" b="1" dirty="0"/>
+              <a:t> </a:t>
+            </a:r>
+            <a:r>
+              <a:rPr lang="pt-BR" sz="2400" b="1" dirty="0" err="1"/>
+              <a:t>movement</a:t>
+            </a:r>
+            <a:r>
+              <a:rPr lang="pt-BR" sz="2400" b="1" dirty="0"/>
+              <a:t> </a:t>
+            </a:r>
+          </a:p>
+          <a:p>
+            <a:pPr indent="0">
+              <a:lnSpc>
+                <a:spcPct val="110000"/>
+              </a:lnSpc>
+              <a:buNone/>
+            </a:pPr>
+            <a:r>
+              <a:rPr lang="pt-BR" sz="2400" b="1" dirty="0" err="1"/>
+              <a:t>was</a:t>
+            </a:r>
+            <a:r>
+              <a:rPr lang="pt-BR" sz="2400" b="1" dirty="0"/>
+              <a:t> </a:t>
+            </a:r>
+            <a:r>
+              <a:rPr lang="pt-BR" sz="2400" b="1" dirty="0" err="1"/>
+              <a:t>not</a:t>
+            </a:r>
+            <a:r>
+              <a:rPr lang="pt-BR" sz="2400" b="1" dirty="0"/>
+              <a:t> </a:t>
+            </a:r>
+            <a:r>
+              <a:rPr lang="pt-BR" sz="2400" b="1" dirty="0" err="1"/>
+              <a:t>accepted</a:t>
+            </a:r>
+            <a:r>
+              <a:rPr lang="pt-BR" sz="2400" b="1" dirty="0"/>
+              <a:t>;</a:t>
+            </a:r>
+            <a:endParaRPr lang="pt-BR" sz="2200" b="1" dirty="0"/>
+          </a:p>
+        </p:txBody>
+      </p:sp>
+      <p:sp>
+        <p:nvSpPr>
+          <p:cNvPr id="4" name="CaixaDeTexto 3"/>
           <p:cNvSpPr txBox="1"/>
           <p:nvPr/>
         </p:nvSpPr>
         <p:spPr>
           <a:xfrm>
-            <a:off x="990600" y="2286000"/>
-            <a:ext cx="2819400" cy="1077218"/>
+            <a:off x="5904766" y="3688140"/>
+            <a:ext cx="2096234" cy="1569660"/>
           </a:xfrm>
           <a:prstGeom prst="rect">
             <a:avLst/>
@@ -11394,357 +11466,82 @@
           <a:p>
             <a:pPr marL="285750" indent="-285750">
               <a:buFont typeface="Wingdings" pitchFamily="2" charset="2"/>
-              <a:buChar char="v"/>
+              <a:buChar char="Ø"/>
             </a:pPr>
             <a:r>
-              <a:rPr lang="pt-BR" sz="3200" dirty="0"/>
+              <a:rPr lang="pt-BR" sz="2400" dirty="0"/>
               <a:t> </a:t>
             </a:r>
             <a:r>
-              <a:rPr lang="pt-BR" sz="3200" dirty="0" err="1"/>
-              <a:t>Nationality</a:t>
-            </a:r>
-            <a:r>
-              <a:rPr lang="pt-BR" sz="3200" dirty="0"/>
+              <a:rPr lang="pt-BR" sz="2400" dirty="0" err="1"/>
+              <a:t>Futurism</a:t>
+            </a:r>
+            <a:r>
+              <a:rPr lang="pt-BR" sz="2400" dirty="0"/>
               <a:t>;</a:t>
             </a:r>
           </a:p>
           <a:p>
             <a:pPr marL="285750" indent="-285750">
               <a:buFont typeface="Wingdings" pitchFamily="2" charset="2"/>
-              <a:buChar char="v"/>
+              <a:buChar char="Ø"/>
             </a:pPr>
             <a:r>
-              <a:rPr lang="pt-BR" sz="3200" dirty="0"/>
+              <a:rPr lang="pt-BR" sz="2400" dirty="0"/>
               <a:t> </a:t>
             </a:r>
             <a:r>
-              <a:rPr lang="pt-BR" sz="3200" dirty="0" err="1"/>
-              <a:t>Infance</a:t>
-            </a:r>
-            <a:r>
-              <a:rPr lang="pt-BR" sz="3200" dirty="0"/>
+              <a:rPr lang="pt-BR" sz="2400" dirty="0" err="1"/>
+              <a:t>Dadaism</a:t>
+            </a:r>
+            <a:r>
+              <a:rPr lang="pt-BR" sz="2400" dirty="0"/>
               <a:t>;</a:t>
             </a:r>
           </a:p>
-        </p:txBody>
-      </p:sp>
-      <p:sp>
-        <p:nvSpPr>
-          <p:cNvPr id="8" name="Retângulo 7"/>
-          <p:cNvSpPr/>
-          <p:nvPr/>
-        </p:nvSpPr>
-        <p:spPr>
-          <a:xfrm>
-            <a:off x="990600" y="3352800"/>
-            <a:ext cx="2971800" cy="1569660"/>
-          </a:xfrm>
-          <a:prstGeom prst="rect">
-            <a:avLst/>
-          </a:prstGeom>
-        </p:spPr>
-        <p:txBody>
-          <a:bodyPr wrap="square">
-            <a:spAutoFit/>
-          </a:bodyPr>
-          <a:lstStyle/>
           <a:p>
             <a:pPr marL="285750" indent="-285750">
               <a:buFont typeface="Wingdings" pitchFamily="2" charset="2"/>
-              <a:buChar char="v"/>
+              <a:buChar char="Ø"/>
             </a:pPr>
             <a:r>
-              <a:rPr lang="pt-BR" sz="3200" dirty="0"/>
+              <a:rPr lang="pt-BR" sz="2400" dirty="0"/>
               <a:t> </a:t>
             </a:r>
             <a:r>
-              <a:rPr lang="pt-BR" sz="3200" dirty="0" err="1"/>
-              <a:t>Relationship</a:t>
-            </a:r>
-            <a:r>
-              <a:rPr lang="pt-BR" sz="3200" dirty="0"/>
+              <a:rPr lang="pt-BR" sz="2400" dirty="0" err="1"/>
+              <a:t>Cubism</a:t>
+            </a:r>
+            <a:r>
+              <a:rPr lang="pt-BR" sz="2400" dirty="0"/>
               <a:t>;</a:t>
             </a:r>
           </a:p>
           <a:p>
             <a:pPr marL="285750" indent="-285750">
               <a:buFont typeface="Wingdings" pitchFamily="2" charset="2"/>
-              <a:buChar char="v"/>
+              <a:buChar char="Ø"/>
             </a:pPr>
             <a:r>
-              <a:rPr lang="pt-BR" sz="3200" dirty="0"/>
+              <a:rPr lang="pt-BR" sz="2400" dirty="0"/>
               <a:t> </a:t>
             </a:r>
             <a:r>
-              <a:rPr lang="pt-BR" sz="3200" dirty="0" err="1"/>
-              <a:t>Compositions</a:t>
-            </a:r>
-            <a:r>
-              <a:rPr lang="pt-BR" sz="3200" dirty="0"/>
+              <a:rPr lang="pt-BR" sz="2400" dirty="0" err="1"/>
+              <a:t>Surrealism</a:t>
+            </a:r>
+            <a:r>
+              <a:rPr lang="pt-BR" sz="2400" dirty="0"/>
               <a:t>;</a:t>
             </a:r>
-          </a:p>
-          <a:p>
-            <a:pPr marL="285750" indent="-285750">
-              <a:buFont typeface="Wingdings" pitchFamily="2" charset="2"/>
-              <a:buChar char="v"/>
-            </a:pPr>
-            <a:r>
-              <a:rPr lang="pt-BR" sz="3200" dirty="0"/>
-              <a:t> </a:t>
-            </a:r>
-            <a:r>
-              <a:rPr lang="pt-BR" sz="3200" dirty="0" err="1"/>
-              <a:t>Skills</a:t>
-            </a:r>
-            <a:endParaRPr lang="pt-BR" sz="3200" dirty="0"/>
-          </a:p>
-        </p:txBody>
-      </p:sp>
-      <p:sp>
-        <p:nvSpPr>
-          <p:cNvPr id="10" name="Subtítulo 2"/>
-          <p:cNvSpPr txBox="1">
-            <a:spLocks/>
-          </p:cNvSpPr>
-          <p:nvPr/>
-        </p:nvSpPr>
-        <p:spPr>
-          <a:xfrm>
-            <a:off x="1752600" y="5181600"/>
-            <a:ext cx="6172200" cy="609600"/>
-          </a:xfrm>
-          <a:prstGeom prst="rect">
-            <a:avLst/>
-          </a:prstGeom>
-        </p:spPr>
-        <p:txBody>
-          <a:bodyPr vert="horz" lIns="91440" tIns="45720" rIns="91440" bIns="45720" rtlCol="0">
-            <a:normAutofit/>
-          </a:bodyPr>
-          <a:lstStyle>
-            <a:lvl1pPr marL="0" indent="-274320" algn="l" defTabSz="914400" rtl="0" eaLnBrk="1" latinLnBrk="0" hangingPunct="1">
-              <a:lnSpc>
-                <a:spcPct val="150000"/>
-              </a:lnSpc>
-              <a:spcBef>
-                <a:spcPct val="20000"/>
-              </a:spcBef>
-              <a:buClrTx/>
-              <a:buFont typeface="Wingdings" pitchFamily="2" charset="2"/>
-              <a:buChar char="v"/>
-              <a:defRPr sz="1800" kern="1200" baseline="0">
-                <a:solidFill>
-                  <a:schemeClr val="tx1"/>
-                </a:solidFill>
-                <a:latin typeface="+mn-lt"/>
-                <a:ea typeface="+mn-ea"/>
-                <a:cs typeface="+mn-cs"/>
-              </a:defRPr>
-            </a:lvl1pPr>
-            <a:lvl2pPr marL="742950" indent="-228600" algn="l" defTabSz="914400" rtl="0" eaLnBrk="1" latinLnBrk="0" hangingPunct="1">
-              <a:spcBef>
-                <a:spcPct val="20000"/>
-              </a:spcBef>
-              <a:buClrTx/>
-              <a:buFont typeface="Arial" pitchFamily="34" charset="0"/>
-              <a:buChar char="•"/>
-              <a:defRPr sz="1600" kern="1200" baseline="0">
-                <a:solidFill>
-                  <a:schemeClr val="tx1"/>
-                </a:solidFill>
-                <a:latin typeface="+mn-lt"/>
-                <a:ea typeface="+mn-ea"/>
-                <a:cs typeface="+mn-cs"/>
-              </a:defRPr>
-            </a:lvl2pPr>
-            <a:lvl3pPr marL="1143000" indent="-228600" algn="l" defTabSz="914400" rtl="0" eaLnBrk="1" latinLnBrk="0" hangingPunct="1">
-              <a:spcBef>
-                <a:spcPct val="20000"/>
-              </a:spcBef>
-              <a:buClrTx/>
-              <a:buFont typeface="Arial" pitchFamily="34" charset="0"/>
-              <a:buChar char="•"/>
-              <a:defRPr sz="1400" kern="1200" baseline="0">
-                <a:solidFill>
-                  <a:schemeClr val="tx1"/>
-                </a:solidFill>
-                <a:latin typeface="+mn-lt"/>
-                <a:ea typeface="+mn-ea"/>
-                <a:cs typeface="+mn-cs"/>
-              </a:defRPr>
-            </a:lvl3pPr>
-            <a:lvl4pPr marL="1600200" indent="-228600" algn="l" defTabSz="914400" rtl="0" eaLnBrk="1" latinLnBrk="0" hangingPunct="1">
-              <a:spcBef>
-                <a:spcPct val="20000"/>
-              </a:spcBef>
-              <a:buClrTx/>
-              <a:buFont typeface="Arial" pitchFamily="34" charset="0"/>
-              <a:buChar char="•"/>
-              <a:defRPr sz="1400" kern="1200" baseline="0">
-                <a:solidFill>
-                  <a:schemeClr val="tx1"/>
-                </a:solidFill>
-                <a:latin typeface="+mn-lt"/>
-                <a:ea typeface="+mn-ea"/>
-                <a:cs typeface="+mn-cs"/>
-              </a:defRPr>
-            </a:lvl4pPr>
-            <a:lvl5pPr marL="2057400" indent="-228600" algn="l" defTabSz="914400" rtl="0" eaLnBrk="1" latinLnBrk="0" hangingPunct="1">
-              <a:spcBef>
-                <a:spcPct val="20000"/>
-              </a:spcBef>
-              <a:buClrTx/>
-              <a:buFont typeface="Arial" pitchFamily="34" charset="0"/>
-              <a:buChar char="•"/>
-              <a:defRPr sz="1400" kern="1200" baseline="0">
-                <a:solidFill>
-                  <a:schemeClr val="tx1"/>
-                </a:solidFill>
-                <a:latin typeface="+mn-lt"/>
-                <a:ea typeface="+mn-ea"/>
-                <a:cs typeface="+mn-cs"/>
-              </a:defRPr>
-            </a:lvl5pPr>
-            <a:lvl6pPr marL="2514600" indent="-228600" algn="l" defTabSz="914400" rtl="0" eaLnBrk="1" latinLnBrk="0" hangingPunct="1">
-              <a:spcBef>
-                <a:spcPct val="20000"/>
-              </a:spcBef>
-              <a:buClrTx/>
-              <a:buFont typeface="Arial" pitchFamily="34" charset="0"/>
-              <a:buChar char="•"/>
-              <a:defRPr sz="1400" kern="1200">
-                <a:solidFill>
-                  <a:schemeClr val="tx1"/>
-                </a:solidFill>
-                <a:latin typeface="+mn-lt"/>
-                <a:ea typeface="+mn-ea"/>
-                <a:cs typeface="+mn-cs"/>
-              </a:defRPr>
-            </a:lvl6pPr>
-            <a:lvl7pPr marL="2971800" indent="-228600" algn="l" defTabSz="914400" rtl="0" eaLnBrk="1" latinLnBrk="0" hangingPunct="1">
-              <a:spcBef>
-                <a:spcPct val="20000"/>
-              </a:spcBef>
-              <a:buClrTx/>
-              <a:buFont typeface="Arial" pitchFamily="34" charset="0"/>
-              <a:buChar char="•"/>
-              <a:defRPr sz="1200" kern="1200">
-                <a:solidFill>
-                  <a:schemeClr val="tx1"/>
-                </a:solidFill>
-                <a:latin typeface="+mn-lt"/>
-                <a:ea typeface="+mn-ea"/>
-                <a:cs typeface="+mn-cs"/>
-              </a:defRPr>
-            </a:lvl7pPr>
-            <a:lvl8pPr marL="3429000" indent="-228600" algn="l" defTabSz="914400" rtl="0" eaLnBrk="1" latinLnBrk="0" hangingPunct="1">
-              <a:spcBef>
-                <a:spcPct val="20000"/>
-              </a:spcBef>
-              <a:buClrTx/>
-              <a:buFont typeface="Arial" pitchFamily="34" charset="0"/>
-              <a:buChar char="•"/>
-              <a:defRPr sz="1200" kern="1200" baseline="0">
-                <a:solidFill>
-                  <a:schemeClr val="tx1"/>
-                </a:solidFill>
-                <a:latin typeface="+mn-lt"/>
-                <a:ea typeface="+mn-ea"/>
-                <a:cs typeface="+mn-cs"/>
-              </a:defRPr>
-            </a:lvl8pPr>
-            <a:lvl9pPr marL="3886200" indent="-228600" algn="l" defTabSz="914400" rtl="0" eaLnBrk="1" latinLnBrk="0" hangingPunct="1">
-              <a:spcBef>
-                <a:spcPct val="20000"/>
-              </a:spcBef>
-              <a:buClrTx/>
-              <a:buFont typeface="Arial" pitchFamily="34" charset="0"/>
-              <a:buChar char="•"/>
-              <a:defRPr sz="1200" kern="1200">
-                <a:solidFill>
-                  <a:schemeClr val="tx1"/>
-                </a:solidFill>
-                <a:latin typeface="+mn-lt"/>
-                <a:ea typeface="+mn-ea"/>
-                <a:cs typeface="+mn-cs"/>
-              </a:defRPr>
-            </a:lvl9pPr>
-          </a:lstStyle>
-          <a:p>
-            <a:r>
-              <a:rPr lang="en-US" dirty="0"/>
-              <a:t>https://www.youtube.com/watch?v=GGU1P6lBW6Q</a:t>
-            </a:r>
-            <a:endParaRPr lang="pt-BR" dirty="0"/>
-          </a:p>
-        </p:txBody>
-      </p:sp>
-      <p:sp>
-        <p:nvSpPr>
-          <p:cNvPr id="11" name="CaixaDeTexto 10"/>
-          <p:cNvSpPr txBox="1"/>
-          <p:nvPr/>
-        </p:nvSpPr>
-        <p:spPr>
-          <a:xfrm>
-            <a:off x="6019800" y="1828800"/>
-            <a:ext cx="1371600" cy="369332"/>
-          </a:xfrm>
-          <a:prstGeom prst="rect">
-            <a:avLst/>
-          </a:prstGeom>
-          <a:noFill/>
-        </p:spPr>
-        <p:txBody>
-          <a:bodyPr wrap="square" rtlCol="0">
-            <a:spAutoFit/>
-          </a:bodyPr>
-          <a:lstStyle/>
-          <a:p>
-            <a:pPr algn="r"/>
-            <a:r>
-              <a:rPr lang="pt-BR" i="1" dirty="0"/>
-              <a:t>1813 - 1883</a:t>
-            </a:r>
-          </a:p>
-        </p:txBody>
-      </p:sp>
-      <p:pic>
-        <p:nvPicPr>
-          <p:cNvPr id="2" name="Imagem 1"/>
-          <p:cNvPicPr>
-            <a:picLocks noChangeAspect="1"/>
-          </p:cNvPicPr>
-          <p:nvPr/>
-        </p:nvPicPr>
-        <p:blipFill>
-          <a:blip r:embed="rId2">
-            <a:extLst>
-              <a:ext uri="{28A0092B-C50C-407E-A947-70E740481C1C}">
-                <a14:useLocalDpi xmlns:a14="http://schemas.microsoft.com/office/drawing/2010/main" val="0"/>
-              </a:ext>
-            </a:extLst>
-          </a:blip>
-          <a:stretch>
-            <a:fillRect/>
-          </a:stretch>
-        </p:blipFill>
-        <p:spPr>
-          <a:xfrm>
-            <a:off x="5158970" y="2383215"/>
-            <a:ext cx="1908579" cy="2645985"/>
-          </a:xfrm>
-          <a:prstGeom prst="rect">
-            <a:avLst/>
-          </a:prstGeom>
-        </p:spPr>
-      </p:pic>
+            <a:endParaRPr lang="en-AU" sz="2400" dirty="0"/>
+          </a:p>
+        </p:txBody>
+      </p:sp>
     </p:spTree>
     <p:extLst>
       <p:ext uri="{BB962C8B-B14F-4D97-AF65-F5344CB8AC3E}">
-        <p14:creationId xmlns:p14="http://schemas.microsoft.com/office/powerpoint/2010/main" val="1472436113"/>
+        <p14:creationId xmlns:p14="http://schemas.microsoft.com/office/powerpoint/2010/main" val="761866029"/>
       </p:ext>
     </p:extLst>
   </p:cSld>
@@ -11773,7 +11570,105 @@
       </p:grpSpPr>
       <p:sp>
         <p:nvSpPr>
-          <p:cNvPr id="2" name="Título 1"/>
+          <p:cNvPr id="4" name="Título 1"/>
+          <p:cNvSpPr txBox="1">
+            <a:spLocks/>
+          </p:cNvSpPr>
+          <p:nvPr/>
+        </p:nvSpPr>
+        <p:spPr>
+          <a:xfrm>
+            <a:off x="1828800" y="2971800"/>
+            <a:ext cx="5562600" cy="1295400"/>
+          </a:xfrm>
+          <a:prstGeom prst="rect">
+            <a:avLst/>
+          </a:prstGeom>
+        </p:spPr>
+        <p:txBody>
+          <a:bodyPr vert="horz" lIns="91440" tIns="45720" rIns="91440" bIns="45720" rtlCol="0" anchor="b" anchorCtr="0">
+            <a:noAutofit/>
+          </a:bodyPr>
+          <a:lstStyle>
+            <a:lvl1pPr algn="ctr" defTabSz="914400" rtl="0" eaLnBrk="1" latinLnBrk="0" hangingPunct="1">
+              <a:spcBef>
+                <a:spcPct val="0"/>
+              </a:spcBef>
+              <a:buNone/>
+              <a:defRPr sz="3600" kern="1200" cap="all" spc="300" baseline="0">
+                <a:solidFill>
+                  <a:schemeClr val="tx1"/>
+                </a:solidFill>
+                <a:latin typeface="+mj-lt"/>
+                <a:ea typeface="+mj-ea"/>
+                <a:cs typeface="+mj-cs"/>
+              </a:defRPr>
+            </a:lvl1pPr>
+            <a:lvl2pPr eaLnBrk="1" hangingPunct="1">
+              <a:defRPr>
+                <a:solidFill>
+                  <a:schemeClr val="tx2"/>
+                </a:solidFill>
+              </a:defRPr>
+            </a:lvl2pPr>
+            <a:lvl3pPr eaLnBrk="1" hangingPunct="1">
+              <a:defRPr>
+                <a:solidFill>
+                  <a:schemeClr val="tx2"/>
+                </a:solidFill>
+              </a:defRPr>
+            </a:lvl3pPr>
+            <a:lvl4pPr eaLnBrk="1" hangingPunct="1">
+              <a:defRPr>
+                <a:solidFill>
+                  <a:schemeClr val="tx2"/>
+                </a:solidFill>
+              </a:defRPr>
+            </a:lvl4pPr>
+            <a:lvl5pPr eaLnBrk="1" hangingPunct="1">
+              <a:defRPr>
+                <a:solidFill>
+                  <a:schemeClr val="tx2"/>
+                </a:solidFill>
+              </a:defRPr>
+            </a:lvl5pPr>
+            <a:lvl6pPr eaLnBrk="1" hangingPunct="1">
+              <a:defRPr>
+                <a:solidFill>
+                  <a:schemeClr val="tx2"/>
+                </a:solidFill>
+              </a:defRPr>
+            </a:lvl6pPr>
+            <a:lvl7pPr eaLnBrk="1" hangingPunct="1">
+              <a:defRPr>
+                <a:solidFill>
+                  <a:schemeClr val="tx2"/>
+                </a:solidFill>
+              </a:defRPr>
+            </a:lvl7pPr>
+            <a:lvl8pPr eaLnBrk="1" hangingPunct="1">
+              <a:defRPr>
+                <a:solidFill>
+                  <a:schemeClr val="tx2"/>
+                </a:solidFill>
+              </a:defRPr>
+            </a:lvl8pPr>
+            <a:lvl9pPr eaLnBrk="1" hangingPunct="1">
+              <a:defRPr>
+                <a:solidFill>
+                  <a:schemeClr val="tx2"/>
+                </a:solidFill>
+              </a:defRPr>
+            </a:lvl9pPr>
+          </a:lstStyle>
+          <a:p>
+            <a:endParaRPr lang="pt-BR" sz="8800" dirty="0"/>
+          </a:p>
+        </p:txBody>
+      </p:sp>
+      <p:sp>
+        <p:nvSpPr>
+          <p:cNvPr id="5" name="Título 4"/>
           <p:cNvSpPr>
             <a:spLocks noGrp="1"/>
           </p:cNvSpPr>
@@ -11783,8 +11678,8 @@
         </p:nvSpPr>
         <p:spPr>
           <a:xfrm>
-            <a:off x="762000" y="990600"/>
-            <a:ext cx="7467600" cy="1246909"/>
+            <a:off x="1905000" y="1219200"/>
+            <a:ext cx="5257800" cy="914400"/>
           </a:xfrm>
         </p:spPr>
         <p:txBody>
@@ -11794,178 +11689,22 @@
           <a:lstStyle/>
           <a:p>
             <a:r>
-              <a:rPr lang="pt-BR" sz="8000" dirty="0" err="1"/>
-              <a:t>Modernism</a:t>
-            </a:r>
-            <a:endParaRPr lang="pt-BR" sz="8000" dirty="0"/>
-          </a:p>
-        </p:txBody>
-      </p:sp>
-      <p:sp>
-        <p:nvSpPr>
-          <p:cNvPr id="3" name="Espaço Reservado para Conteúdo 2"/>
-          <p:cNvSpPr>
-            <a:spLocks noGrp="1"/>
-          </p:cNvSpPr>
-          <p:nvPr>
-            <p:ph idx="1"/>
-          </p:nvPr>
-        </p:nvSpPr>
-        <p:spPr>
-          <a:xfrm>
-            <a:off x="990600" y="2438400"/>
-            <a:ext cx="7086600" cy="2971799"/>
-          </a:xfrm>
-        </p:spPr>
-        <p:txBody>
-          <a:bodyPr>
-            <a:normAutofit fontScale="92500" lnSpcReduction="20000"/>
-          </a:bodyPr>
-          <a:lstStyle/>
-          <a:p>
-            <a:r>
-              <a:rPr lang="en-AU" sz="2400" b="1" dirty="0"/>
-              <a:t> From the 19</a:t>
-            </a:r>
-            <a:r>
-              <a:rPr lang="en-AU" sz="2400" b="1" baseline="30000" dirty="0"/>
-              <a:t>th</a:t>
-            </a:r>
-            <a:r>
-              <a:rPr lang="en-AU" sz="2400" b="1" dirty="0"/>
-              <a:t> century to 20</a:t>
-            </a:r>
-            <a:r>
-              <a:rPr lang="en-AU" sz="2400" b="1" baseline="30000" dirty="0"/>
-              <a:t>th</a:t>
-            </a:r>
-            <a:r>
-              <a:rPr lang="en-AU" sz="2400" b="1" dirty="0"/>
-              <a:t> century in Europe;</a:t>
-            </a:r>
-          </a:p>
-          <a:p>
-            <a:r>
-              <a:rPr lang="en-AU" sz="2400" b="1" dirty="0"/>
-              <a:t> Conjunct of cultural </a:t>
-            </a:r>
-            <a:r>
-              <a:rPr lang="en-AU" sz="2400" b="1" dirty="0" err="1"/>
-              <a:t>movememt</a:t>
-            </a:r>
-            <a:r>
-              <a:rPr lang="en-AU" sz="2400" b="1" dirty="0"/>
-              <a:t>;</a:t>
-            </a:r>
-          </a:p>
-          <a:p>
-            <a:r>
-              <a:rPr lang="en-AU" sz="2400" b="1" dirty="0"/>
-              <a:t> Definition;</a:t>
-            </a:r>
-          </a:p>
-          <a:p>
-            <a:r>
-              <a:rPr lang="en-AU" sz="2400" b="1" dirty="0"/>
-              <a:t> Reality versus </a:t>
-            </a:r>
-            <a:r>
-              <a:rPr lang="en-AU" sz="2400" b="1" u="sng" dirty="0"/>
-              <a:t>Subjective</a:t>
-            </a:r>
-            <a:r>
-              <a:rPr lang="en-AU" sz="2400" b="1" dirty="0"/>
-              <a:t>;</a:t>
-            </a:r>
-          </a:p>
-          <a:p>
-            <a:pPr>
-              <a:lnSpc>
-                <a:spcPct val="110000"/>
-              </a:lnSpc>
-            </a:pPr>
-            <a:r>
-              <a:rPr lang="pt-BR" sz="2400" b="1" dirty="0"/>
-              <a:t> </a:t>
-            </a:r>
-            <a:r>
-              <a:rPr lang="pt-BR" sz="2400" b="1" dirty="0" err="1"/>
-              <a:t>Initialy</a:t>
-            </a:r>
-            <a:r>
-              <a:rPr lang="pt-BR" sz="2400" b="1" dirty="0"/>
-              <a:t>, in </a:t>
-            </a:r>
-            <a:r>
-              <a:rPr lang="pt-BR" sz="2400" b="1" dirty="0" err="1"/>
-              <a:t>Brazil</a:t>
-            </a:r>
-            <a:r>
-              <a:rPr lang="pt-BR" sz="2400" b="1" dirty="0"/>
-              <a:t> </a:t>
-            </a:r>
-            <a:r>
-              <a:rPr lang="pt-BR" sz="2400" b="1" dirty="0" err="1"/>
-              <a:t>this</a:t>
-            </a:r>
-            <a:r>
-              <a:rPr lang="pt-BR" sz="2400" b="1" dirty="0"/>
-              <a:t> </a:t>
-            </a:r>
-            <a:r>
-              <a:rPr lang="pt-BR" sz="2400" b="1" dirty="0" err="1"/>
-              <a:t>movement</a:t>
-            </a:r>
-            <a:r>
-              <a:rPr lang="pt-BR" sz="2400" b="1" dirty="0"/>
-              <a:t> </a:t>
-            </a:r>
-          </a:p>
-          <a:p>
-            <a:pPr indent="0">
-              <a:lnSpc>
-                <a:spcPct val="110000"/>
-              </a:lnSpc>
-              <a:buNone/>
-            </a:pPr>
-            <a:r>
-              <a:rPr lang="pt-BR" sz="2400" b="1" dirty="0" err="1"/>
-              <a:t>was</a:t>
-            </a:r>
-            <a:r>
-              <a:rPr lang="pt-BR" sz="2400" b="1" dirty="0"/>
-              <a:t> </a:t>
-            </a:r>
-            <a:r>
-              <a:rPr lang="pt-BR" sz="2400" b="1" dirty="0" err="1"/>
-              <a:t>not</a:t>
-            </a:r>
-            <a:r>
-              <a:rPr lang="pt-BR" sz="2400" b="1" dirty="0"/>
-              <a:t> </a:t>
-            </a:r>
-            <a:r>
-              <a:rPr lang="pt-BR" sz="2400" b="1" dirty="0" err="1"/>
-              <a:t>accepted</a:t>
-            </a:r>
-            <a:r>
-              <a:rPr lang="pt-BR" sz="2400" b="1" dirty="0"/>
-              <a:t>;</a:t>
-            </a:r>
-            <a:endParaRPr lang="pt-BR" sz="2200" b="1" dirty="0"/>
-          </a:p>
-        </p:txBody>
-      </p:sp>
-      <p:sp>
-        <p:nvSpPr>
-          <p:cNvPr id="4" name="CaixaDeTexto 3"/>
+              <a:rPr lang="pt-BR" sz="7200" dirty="0"/>
+              <a:t>Debussy</a:t>
+            </a:r>
+          </a:p>
+        </p:txBody>
+      </p:sp>
+      <p:sp>
+        <p:nvSpPr>
+          <p:cNvPr id="7" name="CaixaDeTexto 6"/>
           <p:cNvSpPr txBox="1"/>
           <p:nvPr/>
         </p:nvSpPr>
         <p:spPr>
           <a:xfrm>
-            <a:off x="5904766" y="3688140"/>
-            <a:ext cx="2096234" cy="1569660"/>
+            <a:off x="990600" y="2286000"/>
+            <a:ext cx="2819400" cy="1077218"/>
           </a:xfrm>
           <a:prstGeom prst="rect">
             <a:avLst/>
@@ -11980,82 +11719,357 @@
           <a:p>
             <a:pPr marL="285750" indent="-285750">
               <a:buFont typeface="Wingdings" pitchFamily="2" charset="2"/>
-              <a:buChar char="Ø"/>
+              <a:buChar char="v"/>
             </a:pPr>
             <a:r>
-              <a:rPr lang="pt-BR" sz="2400" dirty="0"/>
+              <a:rPr lang="pt-BR" sz="3200" dirty="0"/>
               <a:t> </a:t>
             </a:r>
             <a:r>
-              <a:rPr lang="pt-BR" sz="2400" dirty="0" err="1"/>
-              <a:t>Futurism</a:t>
-            </a:r>
-            <a:r>
-              <a:rPr lang="pt-BR" sz="2400" dirty="0"/>
+              <a:rPr lang="pt-BR" sz="3200" dirty="0" err="1"/>
+              <a:t>Nationality</a:t>
+            </a:r>
+            <a:r>
+              <a:rPr lang="pt-BR" sz="3200" dirty="0"/>
               <a:t>;</a:t>
             </a:r>
           </a:p>
           <a:p>
             <a:pPr marL="285750" indent="-285750">
               <a:buFont typeface="Wingdings" pitchFamily="2" charset="2"/>
-              <a:buChar char="Ø"/>
+              <a:buChar char="v"/>
             </a:pPr>
             <a:r>
-              <a:rPr lang="pt-BR" sz="2400" dirty="0"/>
+              <a:rPr lang="pt-BR" sz="3200" dirty="0"/>
               <a:t> </a:t>
             </a:r>
             <a:r>
-              <a:rPr lang="pt-BR" sz="2400" dirty="0" err="1"/>
-              <a:t>Dadaism</a:t>
-            </a:r>
-            <a:r>
-              <a:rPr lang="pt-BR" sz="2400" dirty="0"/>
+              <a:rPr lang="pt-BR" sz="3200" dirty="0" err="1"/>
+              <a:t>Infance</a:t>
+            </a:r>
+            <a:r>
+              <a:rPr lang="pt-BR" sz="3200" dirty="0"/>
               <a:t>;</a:t>
             </a:r>
           </a:p>
+        </p:txBody>
+      </p:sp>
+      <p:sp>
+        <p:nvSpPr>
+          <p:cNvPr id="8" name="Retângulo 7"/>
+          <p:cNvSpPr/>
+          <p:nvPr/>
+        </p:nvSpPr>
+        <p:spPr>
+          <a:xfrm>
+            <a:off x="990600" y="3352800"/>
+            <a:ext cx="2971800" cy="1569660"/>
+          </a:xfrm>
+          <a:prstGeom prst="rect">
+            <a:avLst/>
+          </a:prstGeom>
+        </p:spPr>
+        <p:txBody>
+          <a:bodyPr wrap="square">
+            <a:spAutoFit/>
+          </a:bodyPr>
+          <a:lstStyle/>
           <a:p>
             <a:pPr marL="285750" indent="-285750">
               <a:buFont typeface="Wingdings" pitchFamily="2" charset="2"/>
-              <a:buChar char="Ø"/>
+              <a:buChar char="v"/>
             </a:pPr>
             <a:r>
-              <a:rPr lang="pt-BR" sz="2400" dirty="0"/>
+              <a:rPr lang="pt-BR" sz="3200" dirty="0"/>
               <a:t> </a:t>
             </a:r>
             <a:r>
-              <a:rPr lang="pt-BR" sz="2400" dirty="0" err="1"/>
-              <a:t>Cubism</a:t>
-            </a:r>
-            <a:r>
-              <a:rPr lang="pt-BR" sz="2400" dirty="0"/>
+              <a:rPr lang="pt-BR" sz="3200" dirty="0" err="1"/>
+              <a:t>Relationship</a:t>
+            </a:r>
+            <a:r>
+              <a:rPr lang="pt-BR" sz="3200" dirty="0"/>
               <a:t>;</a:t>
             </a:r>
           </a:p>
           <a:p>
             <a:pPr marL="285750" indent="-285750">
               <a:buFont typeface="Wingdings" pitchFamily="2" charset="2"/>
-              <a:buChar char="Ø"/>
+              <a:buChar char="v"/>
             </a:pPr>
             <a:r>
-              <a:rPr lang="pt-BR" sz="2400" dirty="0"/>
+              <a:rPr lang="pt-BR" sz="3200" dirty="0"/>
               <a:t> </a:t>
             </a:r>
             <a:r>
-              <a:rPr lang="pt-BR" sz="2400" dirty="0" err="1"/>
-              <a:t>Surrealism</a:t>
-            </a:r>
-            <a:r>
-              <a:rPr lang="pt-BR" sz="2400" dirty="0"/>
+              <a:rPr lang="pt-BR" sz="3200" dirty="0" err="1"/>
+              <a:t>Compositions</a:t>
+            </a:r>
+            <a:r>
+              <a:rPr lang="pt-BR" sz="3200" dirty="0"/>
               <a:t>;</a:t>
             </a:r>
-            <a:endParaRPr lang="en-AU" sz="2400" dirty="0"/>
-          </a:p>
-        </p:txBody>
-      </p:sp>
+          </a:p>
+          <a:p>
+            <a:pPr marL="285750" indent="-285750">
+              <a:buFont typeface="Wingdings" pitchFamily="2" charset="2"/>
+              <a:buChar char="v"/>
+            </a:pPr>
+            <a:r>
+              <a:rPr lang="pt-BR" sz="3200" dirty="0"/>
+              <a:t> </a:t>
+            </a:r>
+            <a:r>
+              <a:rPr lang="pt-BR" sz="3200" dirty="0" err="1"/>
+              <a:t>Skills</a:t>
+            </a:r>
+            <a:endParaRPr lang="pt-BR" sz="3200" dirty="0"/>
+          </a:p>
+        </p:txBody>
+      </p:sp>
+      <p:sp>
+        <p:nvSpPr>
+          <p:cNvPr id="10" name="Subtítulo 2"/>
+          <p:cNvSpPr txBox="1">
+            <a:spLocks/>
+          </p:cNvSpPr>
+          <p:nvPr/>
+        </p:nvSpPr>
+        <p:spPr>
+          <a:xfrm>
+            <a:off x="1752600" y="5181600"/>
+            <a:ext cx="6172200" cy="609600"/>
+          </a:xfrm>
+          <a:prstGeom prst="rect">
+            <a:avLst/>
+          </a:prstGeom>
+        </p:spPr>
+        <p:txBody>
+          <a:bodyPr vert="horz" lIns="91440" tIns="45720" rIns="91440" bIns="45720" rtlCol="0">
+            <a:normAutofit/>
+          </a:bodyPr>
+          <a:lstStyle>
+            <a:lvl1pPr marL="0" indent="-274320" algn="l" defTabSz="914400" rtl="0" eaLnBrk="1" latinLnBrk="0" hangingPunct="1">
+              <a:lnSpc>
+                <a:spcPct val="150000"/>
+              </a:lnSpc>
+              <a:spcBef>
+                <a:spcPct val="20000"/>
+              </a:spcBef>
+              <a:buClrTx/>
+              <a:buFont typeface="Wingdings" pitchFamily="2" charset="2"/>
+              <a:buChar char="v"/>
+              <a:defRPr sz="1800" kern="1200" baseline="0">
+                <a:solidFill>
+                  <a:schemeClr val="tx1"/>
+                </a:solidFill>
+                <a:latin typeface="+mn-lt"/>
+                <a:ea typeface="+mn-ea"/>
+                <a:cs typeface="+mn-cs"/>
+              </a:defRPr>
+            </a:lvl1pPr>
+            <a:lvl2pPr marL="742950" indent="-228600" algn="l" defTabSz="914400" rtl="0" eaLnBrk="1" latinLnBrk="0" hangingPunct="1">
+              <a:spcBef>
+                <a:spcPct val="20000"/>
+              </a:spcBef>
+              <a:buClrTx/>
+              <a:buFont typeface="Arial" pitchFamily="34" charset="0"/>
+              <a:buChar char="•"/>
+              <a:defRPr sz="1600" kern="1200" baseline="0">
+                <a:solidFill>
+                  <a:schemeClr val="tx1"/>
+                </a:solidFill>
+                <a:latin typeface="+mn-lt"/>
+                <a:ea typeface="+mn-ea"/>
+                <a:cs typeface="+mn-cs"/>
+              </a:defRPr>
+            </a:lvl2pPr>
+            <a:lvl3pPr marL="1143000" indent="-228600" algn="l" defTabSz="914400" rtl="0" eaLnBrk="1" latinLnBrk="0" hangingPunct="1">
+              <a:spcBef>
+                <a:spcPct val="20000"/>
+              </a:spcBef>
+              <a:buClrTx/>
+              <a:buFont typeface="Arial" pitchFamily="34" charset="0"/>
+              <a:buChar char="•"/>
+              <a:defRPr sz="1400" kern="1200" baseline="0">
+                <a:solidFill>
+                  <a:schemeClr val="tx1"/>
+                </a:solidFill>
+                <a:latin typeface="+mn-lt"/>
+                <a:ea typeface="+mn-ea"/>
+                <a:cs typeface="+mn-cs"/>
+              </a:defRPr>
+            </a:lvl3pPr>
+            <a:lvl4pPr marL="1600200" indent="-228600" algn="l" defTabSz="914400" rtl="0" eaLnBrk="1" latinLnBrk="0" hangingPunct="1">
+              <a:spcBef>
+                <a:spcPct val="20000"/>
+              </a:spcBef>
+              <a:buClrTx/>
+              <a:buFont typeface="Arial" pitchFamily="34" charset="0"/>
+              <a:buChar char="•"/>
+              <a:defRPr sz="1400" kern="1200" baseline="0">
+                <a:solidFill>
+                  <a:schemeClr val="tx1"/>
+                </a:solidFill>
+                <a:latin typeface="+mn-lt"/>
+                <a:ea typeface="+mn-ea"/>
+                <a:cs typeface="+mn-cs"/>
+              </a:defRPr>
+            </a:lvl4pPr>
+            <a:lvl5pPr marL="2057400" indent="-228600" algn="l" defTabSz="914400" rtl="0" eaLnBrk="1" latinLnBrk="0" hangingPunct="1">
+              <a:spcBef>
+                <a:spcPct val="20000"/>
+              </a:spcBef>
+              <a:buClrTx/>
+              <a:buFont typeface="Arial" pitchFamily="34" charset="0"/>
+              <a:buChar char="•"/>
+              <a:defRPr sz="1400" kern="1200" baseline="0">
+                <a:solidFill>
+                  <a:schemeClr val="tx1"/>
+                </a:solidFill>
+                <a:latin typeface="+mn-lt"/>
+                <a:ea typeface="+mn-ea"/>
+                <a:cs typeface="+mn-cs"/>
+              </a:defRPr>
+            </a:lvl5pPr>
+            <a:lvl6pPr marL="2514600" indent="-228600" algn="l" defTabSz="914400" rtl="0" eaLnBrk="1" latinLnBrk="0" hangingPunct="1">
+              <a:spcBef>
+                <a:spcPct val="20000"/>
+              </a:spcBef>
+              <a:buClrTx/>
+              <a:buFont typeface="Arial" pitchFamily="34" charset="0"/>
+              <a:buChar char="•"/>
+              <a:defRPr sz="1400" kern="1200">
+                <a:solidFill>
+                  <a:schemeClr val="tx1"/>
+                </a:solidFill>
+                <a:latin typeface="+mn-lt"/>
+                <a:ea typeface="+mn-ea"/>
+                <a:cs typeface="+mn-cs"/>
+              </a:defRPr>
+            </a:lvl6pPr>
+            <a:lvl7pPr marL="2971800" indent="-228600" algn="l" defTabSz="914400" rtl="0" eaLnBrk="1" latinLnBrk="0" hangingPunct="1">
+              <a:spcBef>
+                <a:spcPct val="20000"/>
+              </a:spcBef>
+              <a:buClrTx/>
+              <a:buFont typeface="Arial" pitchFamily="34" charset="0"/>
+              <a:buChar char="•"/>
+              <a:defRPr sz="1200" kern="1200">
+                <a:solidFill>
+                  <a:schemeClr val="tx1"/>
+                </a:solidFill>
+                <a:latin typeface="+mn-lt"/>
+                <a:ea typeface="+mn-ea"/>
+                <a:cs typeface="+mn-cs"/>
+              </a:defRPr>
+            </a:lvl7pPr>
+            <a:lvl8pPr marL="3429000" indent="-228600" algn="l" defTabSz="914400" rtl="0" eaLnBrk="1" latinLnBrk="0" hangingPunct="1">
+              <a:spcBef>
+                <a:spcPct val="20000"/>
+              </a:spcBef>
+              <a:buClrTx/>
+              <a:buFont typeface="Arial" pitchFamily="34" charset="0"/>
+              <a:buChar char="•"/>
+              <a:defRPr sz="1200" kern="1200" baseline="0">
+                <a:solidFill>
+                  <a:schemeClr val="tx1"/>
+                </a:solidFill>
+                <a:latin typeface="+mn-lt"/>
+                <a:ea typeface="+mn-ea"/>
+                <a:cs typeface="+mn-cs"/>
+              </a:defRPr>
+            </a:lvl8pPr>
+            <a:lvl9pPr marL="3886200" indent="-228600" algn="l" defTabSz="914400" rtl="0" eaLnBrk="1" latinLnBrk="0" hangingPunct="1">
+              <a:spcBef>
+                <a:spcPct val="20000"/>
+              </a:spcBef>
+              <a:buClrTx/>
+              <a:buFont typeface="Arial" pitchFamily="34" charset="0"/>
+              <a:buChar char="•"/>
+              <a:defRPr sz="1200" kern="1200">
+                <a:solidFill>
+                  <a:schemeClr val="tx1"/>
+                </a:solidFill>
+                <a:latin typeface="+mn-lt"/>
+                <a:ea typeface="+mn-ea"/>
+                <a:cs typeface="+mn-cs"/>
+              </a:defRPr>
+            </a:lvl9pPr>
+          </a:lstStyle>
+          <a:p>
+            <a:r>
+              <a:rPr lang="en-US" dirty="0"/>
+              <a:t>https://www.youtube.com/watch?v=CvFH_6DNRCY</a:t>
+            </a:r>
+            <a:endParaRPr lang="pt-BR" dirty="0"/>
+          </a:p>
+        </p:txBody>
+      </p:sp>
+      <p:sp>
+        <p:nvSpPr>
+          <p:cNvPr id="11" name="CaixaDeTexto 10"/>
+          <p:cNvSpPr txBox="1"/>
+          <p:nvPr/>
+        </p:nvSpPr>
+        <p:spPr>
+          <a:xfrm>
+            <a:off x="6019800" y="1828800"/>
+            <a:ext cx="1371600" cy="369332"/>
+          </a:xfrm>
+          <a:prstGeom prst="rect">
+            <a:avLst/>
+          </a:prstGeom>
+          <a:noFill/>
+        </p:spPr>
+        <p:txBody>
+          <a:bodyPr wrap="square" rtlCol="0">
+            <a:spAutoFit/>
+          </a:bodyPr>
+          <a:lstStyle/>
+          <a:p>
+            <a:pPr algn="r"/>
+            <a:r>
+              <a:rPr lang="pt-BR" i="1" dirty="0"/>
+              <a:t>1862 - 1918</a:t>
+            </a:r>
+          </a:p>
+        </p:txBody>
+      </p:sp>
+      <p:pic>
+        <p:nvPicPr>
+          <p:cNvPr id="3" name="Imagem 2"/>
+          <p:cNvPicPr>
+            <a:picLocks noChangeAspect="1"/>
+          </p:cNvPicPr>
+          <p:nvPr/>
+        </p:nvPicPr>
+        <p:blipFill>
+          <a:blip r:embed="rId2">
+            <a:extLst>
+              <a:ext uri="{28A0092B-C50C-407E-A947-70E740481C1C}">
+                <a14:useLocalDpi xmlns:a14="http://schemas.microsoft.com/office/drawing/2010/main" val="0"/>
+              </a:ext>
+            </a:extLst>
+          </a:blip>
+          <a:stretch>
+            <a:fillRect/>
+          </a:stretch>
+        </p:blipFill>
+        <p:spPr>
+          <a:xfrm>
+            <a:off x="5410626" y="2514600"/>
+            <a:ext cx="1933575" cy="2362200"/>
+          </a:xfrm>
+          <a:prstGeom prst="rect">
+            <a:avLst/>
+          </a:prstGeom>
+        </p:spPr>
+      </p:pic>
     </p:spTree>
     <p:extLst>
       <p:ext uri="{BB962C8B-B14F-4D97-AF65-F5344CB8AC3E}">
-        <p14:creationId xmlns:p14="http://schemas.microsoft.com/office/powerpoint/2010/main" val="761866029"/>
+        <p14:creationId xmlns:p14="http://schemas.microsoft.com/office/powerpoint/2010/main" val="1685651638"/>
       </p:ext>
     </p:extLst>
   </p:cSld>
@@ -12203,9 +12217,10 @@
           <a:lstStyle/>
           <a:p>
             <a:r>
-              <a:rPr lang="pt-BR" sz="7200" dirty="0"/>
-              <a:t>Debussy</a:t>
-            </a:r>
+              <a:rPr lang="pt-BR" sz="7200" dirty="0" err="1"/>
+              <a:t>ravel</a:t>
+            </a:r>
+            <a:endParaRPr lang="pt-BR" sz="7200" dirty="0"/>
           </a:p>
         </p:txBody>
       </p:sp>
@@ -12514,7 +12529,7 @@
           <a:p>
             <a:r>
               <a:rPr lang="en-US" dirty="0"/>
-              <a:t>https://www.youtube.com/watch?v=CvFH_6DNRCY</a:t>
+              <a:t>https://www.youtube.com/watch?v=MTceaEzIPdY</a:t>
             </a:r>
             <a:endParaRPr lang="pt-BR" dirty="0"/>
           </a:p>
@@ -12545,21 +12560,99 @@
             <a:pPr algn="r"/>
             <a:r>
               <a:rPr lang="pt-BR" i="1" dirty="0"/>
-              <a:t>1862 - 1918</a:t>
-            </a:r>
+              <a:t>1875 - 1937</a:t>
+            </a:r>
+          </a:p>
+        </p:txBody>
+      </p:sp>
+      <p:sp>
+        <p:nvSpPr>
+          <p:cNvPr id="2" name="AutoShape 2" descr="Resultado de imagem para ravel"/>
+          <p:cNvSpPr>
+            <a:spLocks noChangeAspect="1" noChangeArrowheads="1"/>
+          </p:cNvSpPr>
+          <p:nvPr/>
+        </p:nvSpPr>
+        <p:spPr bwMode="auto">
+          <a:xfrm>
+            <a:off x="155575" y="-144463"/>
+            <a:ext cx="304800" cy="304801"/>
+          </a:xfrm>
+          <a:prstGeom prst="rect">
+            <a:avLst/>
+          </a:prstGeom>
+          <a:noFill/>
+          <a:extLst>
+            <a:ext uri="{909E8E84-426E-40DD-AFC4-6F175D3DCCD1}">
+              <a14:hiddenFill xmlns:a14="http://schemas.microsoft.com/office/drawing/2010/main">
+                <a:solidFill>
+                  <a:srgbClr val="FFFFFF"/>
+                </a:solidFill>
+              </a14:hiddenFill>
+            </a:ext>
+          </a:extLst>
+        </p:spPr>
+        <p:txBody>
+          <a:bodyPr vert="horz" wrap="square" lIns="91440" tIns="45720" rIns="91440" bIns="45720" numCol="1" anchor="t" anchorCtr="0" compatLnSpc="1">
+            <a:prstTxWarp prst="textNoShape">
+              <a:avLst/>
+            </a:prstTxWarp>
+          </a:bodyPr>
+          <a:lstStyle/>
+          <a:p>
+            <a:endParaRPr lang="en-AU"/>
+          </a:p>
+        </p:txBody>
+      </p:sp>
+      <p:sp>
+        <p:nvSpPr>
+          <p:cNvPr id="6" name="AutoShape 4" descr="Resultado de imagem para ravel"/>
+          <p:cNvSpPr>
+            <a:spLocks noChangeAspect="1" noChangeArrowheads="1"/>
+          </p:cNvSpPr>
+          <p:nvPr/>
+        </p:nvSpPr>
+        <p:spPr bwMode="auto">
+          <a:xfrm>
+            <a:off x="307975" y="7937"/>
+            <a:ext cx="304800" cy="304801"/>
+          </a:xfrm>
+          <a:prstGeom prst="rect">
+            <a:avLst/>
+          </a:prstGeom>
+          <a:noFill/>
+          <a:extLst>
+            <a:ext uri="{909E8E84-426E-40DD-AFC4-6F175D3DCCD1}">
+              <a14:hiddenFill xmlns:a14="http://schemas.microsoft.com/office/drawing/2010/main">
+                <a:solidFill>
+                  <a:srgbClr val="FFFFFF"/>
+                </a:solidFill>
+              </a14:hiddenFill>
+            </a:ext>
+          </a:extLst>
+        </p:spPr>
+        <p:txBody>
+          <a:bodyPr vert="horz" wrap="square" lIns="91440" tIns="45720" rIns="91440" bIns="45720" numCol="1" anchor="t" anchorCtr="0" compatLnSpc="1">
+            <a:prstTxWarp prst="textNoShape">
+              <a:avLst/>
+            </a:prstTxWarp>
+          </a:bodyPr>
+          <a:lstStyle/>
+          <a:p>
+            <a:endParaRPr lang="en-AU"/>
           </a:p>
         </p:txBody>
       </p:sp>
       <p:pic>
         <p:nvPicPr>
-          <p:cNvPr id="3" name="Imagem 2"/>
+          <p:cNvPr id="9" name="Imagem 8"/>
           <p:cNvPicPr>
             <a:picLocks noChangeAspect="1"/>
           </p:cNvPicPr>
           <p:nvPr/>
         </p:nvPicPr>
         <p:blipFill>
-          <a:blip r:embed="rId2">
+          <a:blip r:embed="rId2" cstate="print">
             <a:extLst>
               <a:ext uri="{28A0092B-C50C-407E-A947-70E740481C1C}">
                 <a14:useLocalDpi xmlns:a14="http://schemas.microsoft.com/office/drawing/2010/main" val="0"/>
@@ -12572,8 +12665,8 @@
         </p:blipFill>
         <p:spPr>
           <a:xfrm>
-            <a:off x="5410626" y="2514600"/>
-            <a:ext cx="1933575" cy="2362200"/>
+            <a:off x="4293358" y="2824609"/>
+            <a:ext cx="3657600" cy="2057400"/>
           </a:xfrm>
           <a:prstGeom prst="rect">
             <a:avLst/>
@@ -12583,7 +12676,7 @@
     </p:spTree>
     <p:extLst>
       <p:ext uri="{BB962C8B-B14F-4D97-AF65-F5344CB8AC3E}">
-        <p14:creationId xmlns:p14="http://schemas.microsoft.com/office/powerpoint/2010/main" val="1685651638"/>
+        <p14:creationId xmlns:p14="http://schemas.microsoft.com/office/powerpoint/2010/main" val="2050420374"/>
       </p:ext>
     </p:extLst>
   </p:cSld>
@@ -12720,8 +12813,8 @@
         </p:nvSpPr>
         <p:spPr>
           <a:xfrm>
-            <a:off x="1905000" y="1219200"/>
-            <a:ext cx="5257800" cy="914400"/>
+            <a:off x="1295400" y="1219200"/>
+            <a:ext cx="6400800" cy="914400"/>
           </a:xfrm>
         </p:spPr>
         <p:txBody>
@@ -12732,9 +12825,12 @@
           <a:p>
             <a:r>
               <a:rPr lang="pt-BR" sz="7200" dirty="0" err="1"/>
-              <a:t>ravel</a:t>
-            </a:r>
-            <a:endParaRPr lang="pt-BR" sz="7200" dirty="0"/>
+              <a:t>Schönberg</a:t>
+            </a:r>
+            <a:r>
+              <a:rPr lang="pt-BR" sz="7200" dirty="0"/>
+              <a:t> </a:t>
+            </a:r>
           </a:p>
         </p:txBody>
       </p:sp>
@@ -13043,7 +13139,7 @@
           <a:p>
             <a:r>
               <a:rPr lang="en-US" dirty="0"/>
-              <a:t>https://www.youtube.com/watch?v=MTceaEzIPdY</a:t>
+              <a:t>https://www.youtube.com/watch?v=DFXkc9AGoeU</a:t>
             </a:r>
             <a:endParaRPr lang="pt-BR" dirty="0"/>
           </a:p>
@@ -13074,7 +13170,7 @@
             <a:pPr algn="r"/>
             <a:r>
               <a:rPr lang="pt-BR" i="1" dirty="0"/>
-              <a:t>1875 - 1937</a:t>
+              <a:t>1874 - 1951</a:t>
             </a:r>
           </a:p>
         </p:txBody>
@@ -13159,14 +13255,14 @@
       </p:sp>
       <p:pic>
         <p:nvPicPr>
-          <p:cNvPr id="9" name="Imagem 8"/>
+          <p:cNvPr id="3" name="Imagem 2"/>
           <p:cNvPicPr>
             <a:picLocks noChangeAspect="1"/>
           </p:cNvPicPr>
           <p:nvPr/>
         </p:nvPicPr>
         <p:blipFill>
-          <a:blip r:embed="rId2" cstate="print">
+          <a:blip r:embed="rId2">
             <a:extLst>
               <a:ext uri="{28A0092B-C50C-407E-A947-70E740481C1C}">
                 <a14:useLocalDpi xmlns:a14="http://schemas.microsoft.com/office/drawing/2010/main" val="0"/>
@@ -13179,8 +13275,8 @@
         </p:blipFill>
         <p:spPr>
           <a:xfrm>
-            <a:off x="4293358" y="2824609"/>
-            <a:ext cx="3657600" cy="2057400"/>
+            <a:off x="4948237" y="2514600"/>
+            <a:ext cx="2374523" cy="2374523"/>
           </a:xfrm>
           <a:prstGeom prst="rect">
             <a:avLst/>
@@ -13190,7 +13286,7 @@
     </p:spTree>
     <p:extLst>
       <p:ext uri="{BB962C8B-B14F-4D97-AF65-F5344CB8AC3E}">
-        <p14:creationId xmlns:p14="http://schemas.microsoft.com/office/powerpoint/2010/main" val="2050420374"/>
+        <p14:creationId xmlns:p14="http://schemas.microsoft.com/office/powerpoint/2010/main" val="1604939769"/>
       </p:ext>
     </p:extLst>
   </p:cSld>
@@ -13431,616 +13527,6 @@
     <p:extLst>
       <p:ext uri="{BB962C8B-B14F-4D97-AF65-F5344CB8AC3E}">
         <p14:creationId xmlns:p14="http://schemas.microsoft.com/office/powerpoint/2010/main" val="134340802"/>
-      </p:ext>
-    </p:extLst>
-  </p:cSld>
-  <p:clrMapOvr>
-    <a:masterClrMapping/>
-  </p:clrMapOvr>
-</p:sld>
-</file>
-
-<file path=ppt/slides/slide30.xml><?xml version="1.0" encoding="utf-8"?>
-<p:sld xmlns:a="http://schemas.openxmlformats.org/drawingml/2006/main" xmlns:r="http://schemas.openxmlformats.org/officeDocument/2006/relationships" xmlns:p="http://schemas.openxmlformats.org/presentationml/2006/main">
-  <p:cSld>
-    <p:spTree>
-      <p:nvGrpSpPr>
-        <p:cNvPr id="1" name=""/>
-        <p:cNvGrpSpPr/>
-        <p:nvPr/>
-      </p:nvGrpSpPr>
-      <p:grpSpPr>
-        <a:xfrm>
-          <a:off x="0" y="0"/>
-          <a:ext cx="0" cy="0"/>
-          <a:chOff x="0" y="0"/>
-          <a:chExt cx="0" cy="0"/>
-        </a:xfrm>
-      </p:grpSpPr>
-      <p:sp>
-        <p:nvSpPr>
-          <p:cNvPr id="4" name="Título 1"/>
-          <p:cNvSpPr txBox="1">
-            <a:spLocks/>
-          </p:cNvSpPr>
-          <p:nvPr/>
-        </p:nvSpPr>
-        <p:spPr>
-          <a:xfrm>
-            <a:off x="1828800" y="2971800"/>
-            <a:ext cx="5562600" cy="1295400"/>
-          </a:xfrm>
-          <a:prstGeom prst="rect">
-            <a:avLst/>
-          </a:prstGeom>
-        </p:spPr>
-        <p:txBody>
-          <a:bodyPr vert="horz" lIns="91440" tIns="45720" rIns="91440" bIns="45720" rtlCol="0" anchor="b" anchorCtr="0">
-            <a:noAutofit/>
-          </a:bodyPr>
-          <a:lstStyle>
-            <a:lvl1pPr algn="ctr" defTabSz="914400" rtl="0" eaLnBrk="1" latinLnBrk="0" hangingPunct="1">
-              <a:spcBef>
-                <a:spcPct val="0"/>
-              </a:spcBef>
-              <a:buNone/>
-              <a:defRPr sz="3600" kern="1200" cap="all" spc="300" baseline="0">
-                <a:solidFill>
-                  <a:schemeClr val="tx1"/>
-                </a:solidFill>
-                <a:latin typeface="+mj-lt"/>
-                <a:ea typeface="+mj-ea"/>
-                <a:cs typeface="+mj-cs"/>
-              </a:defRPr>
-            </a:lvl1pPr>
-            <a:lvl2pPr eaLnBrk="1" hangingPunct="1">
-              <a:defRPr>
-                <a:solidFill>
-                  <a:schemeClr val="tx2"/>
-                </a:solidFill>
-              </a:defRPr>
-            </a:lvl2pPr>
-            <a:lvl3pPr eaLnBrk="1" hangingPunct="1">
-              <a:defRPr>
-                <a:solidFill>
-                  <a:schemeClr val="tx2"/>
-                </a:solidFill>
-              </a:defRPr>
-            </a:lvl3pPr>
-            <a:lvl4pPr eaLnBrk="1" hangingPunct="1">
-              <a:defRPr>
-                <a:solidFill>
-                  <a:schemeClr val="tx2"/>
-                </a:solidFill>
-              </a:defRPr>
-            </a:lvl4pPr>
-            <a:lvl5pPr eaLnBrk="1" hangingPunct="1">
-              <a:defRPr>
-                <a:solidFill>
-                  <a:schemeClr val="tx2"/>
-                </a:solidFill>
-              </a:defRPr>
-            </a:lvl5pPr>
-            <a:lvl6pPr eaLnBrk="1" hangingPunct="1">
-              <a:defRPr>
-                <a:solidFill>
-                  <a:schemeClr val="tx2"/>
-                </a:solidFill>
-              </a:defRPr>
-            </a:lvl6pPr>
-            <a:lvl7pPr eaLnBrk="1" hangingPunct="1">
-              <a:defRPr>
-                <a:solidFill>
-                  <a:schemeClr val="tx2"/>
-                </a:solidFill>
-              </a:defRPr>
-            </a:lvl7pPr>
-            <a:lvl8pPr eaLnBrk="1" hangingPunct="1">
-              <a:defRPr>
-                <a:solidFill>
-                  <a:schemeClr val="tx2"/>
-                </a:solidFill>
-              </a:defRPr>
-            </a:lvl8pPr>
-            <a:lvl9pPr eaLnBrk="1" hangingPunct="1">
-              <a:defRPr>
-                <a:solidFill>
-                  <a:schemeClr val="tx2"/>
-                </a:solidFill>
-              </a:defRPr>
-            </a:lvl9pPr>
-          </a:lstStyle>
-          <a:p>
-            <a:endParaRPr lang="pt-BR" sz="8800" dirty="0"/>
-          </a:p>
-        </p:txBody>
-      </p:sp>
-      <p:sp>
-        <p:nvSpPr>
-          <p:cNvPr id="5" name="Título 4"/>
-          <p:cNvSpPr>
-            <a:spLocks noGrp="1"/>
-          </p:cNvSpPr>
-          <p:nvPr>
-            <p:ph type="title"/>
-          </p:nvPr>
-        </p:nvSpPr>
-        <p:spPr>
-          <a:xfrm>
-            <a:off x="1295400" y="1219200"/>
-            <a:ext cx="6400800" cy="914400"/>
-          </a:xfrm>
-        </p:spPr>
-        <p:txBody>
-          <a:bodyPr>
-            <a:noAutofit/>
-          </a:bodyPr>
-          <a:lstStyle/>
-          <a:p>
-            <a:r>
-              <a:rPr lang="pt-BR" sz="7200" dirty="0" err="1"/>
-              <a:t>Schönberg</a:t>
-            </a:r>
-            <a:r>
-              <a:rPr lang="pt-BR" sz="7200" dirty="0"/>
-              <a:t> </a:t>
-            </a:r>
-          </a:p>
-        </p:txBody>
-      </p:sp>
-      <p:sp>
-        <p:nvSpPr>
-          <p:cNvPr id="7" name="CaixaDeTexto 6"/>
-          <p:cNvSpPr txBox="1"/>
-          <p:nvPr/>
-        </p:nvSpPr>
-        <p:spPr>
-          <a:xfrm>
-            <a:off x="990600" y="2286000"/>
-            <a:ext cx="2819400" cy="1077218"/>
-          </a:xfrm>
-          <a:prstGeom prst="rect">
-            <a:avLst/>
-          </a:prstGeom>
-          <a:noFill/>
-        </p:spPr>
-        <p:txBody>
-          <a:bodyPr wrap="square" rtlCol="0">
-            <a:spAutoFit/>
-          </a:bodyPr>
-          <a:lstStyle/>
-          <a:p>
-            <a:pPr marL="285750" indent="-285750">
-              <a:buFont typeface="Wingdings" pitchFamily="2" charset="2"/>
-              <a:buChar char="v"/>
-            </a:pPr>
-            <a:r>
-              <a:rPr lang="pt-BR" sz="3200" dirty="0"/>
-              <a:t> </a:t>
-            </a:r>
-            <a:r>
-              <a:rPr lang="pt-BR" sz="3200" dirty="0" err="1"/>
-              <a:t>Nationality</a:t>
-            </a:r>
-            <a:r>
-              <a:rPr lang="pt-BR" sz="3200" dirty="0"/>
-              <a:t>;</a:t>
-            </a:r>
-          </a:p>
-          <a:p>
-            <a:pPr marL="285750" indent="-285750">
-              <a:buFont typeface="Wingdings" pitchFamily="2" charset="2"/>
-              <a:buChar char="v"/>
-            </a:pPr>
-            <a:r>
-              <a:rPr lang="pt-BR" sz="3200" dirty="0"/>
-              <a:t> </a:t>
-            </a:r>
-            <a:r>
-              <a:rPr lang="pt-BR" sz="3200" dirty="0" err="1"/>
-              <a:t>Infance</a:t>
-            </a:r>
-            <a:r>
-              <a:rPr lang="pt-BR" sz="3200" dirty="0"/>
-              <a:t>;</a:t>
-            </a:r>
-          </a:p>
-        </p:txBody>
-      </p:sp>
-      <p:sp>
-        <p:nvSpPr>
-          <p:cNvPr id="8" name="Retângulo 7"/>
-          <p:cNvSpPr/>
-          <p:nvPr/>
-        </p:nvSpPr>
-        <p:spPr>
-          <a:xfrm>
-            <a:off x="990600" y="3352800"/>
-            <a:ext cx="2971800" cy="1569660"/>
-          </a:xfrm>
-          <a:prstGeom prst="rect">
-            <a:avLst/>
-          </a:prstGeom>
-        </p:spPr>
-        <p:txBody>
-          <a:bodyPr wrap="square">
-            <a:spAutoFit/>
-          </a:bodyPr>
-          <a:lstStyle/>
-          <a:p>
-            <a:pPr marL="285750" indent="-285750">
-              <a:buFont typeface="Wingdings" pitchFamily="2" charset="2"/>
-              <a:buChar char="v"/>
-            </a:pPr>
-            <a:r>
-              <a:rPr lang="pt-BR" sz="3200" dirty="0"/>
-              <a:t> </a:t>
-            </a:r>
-            <a:r>
-              <a:rPr lang="pt-BR" sz="3200" dirty="0" err="1"/>
-              <a:t>Relationship</a:t>
-            </a:r>
-            <a:r>
-              <a:rPr lang="pt-BR" sz="3200" dirty="0"/>
-              <a:t>;</a:t>
-            </a:r>
-          </a:p>
-          <a:p>
-            <a:pPr marL="285750" indent="-285750">
-              <a:buFont typeface="Wingdings" pitchFamily="2" charset="2"/>
-              <a:buChar char="v"/>
-            </a:pPr>
-            <a:r>
-              <a:rPr lang="pt-BR" sz="3200" dirty="0"/>
-              <a:t> </a:t>
-            </a:r>
-            <a:r>
-              <a:rPr lang="pt-BR" sz="3200" dirty="0" err="1"/>
-              <a:t>Compositions</a:t>
-            </a:r>
-            <a:r>
-              <a:rPr lang="pt-BR" sz="3200" dirty="0"/>
-              <a:t>;</a:t>
-            </a:r>
-          </a:p>
-          <a:p>
-            <a:pPr marL="285750" indent="-285750">
-              <a:buFont typeface="Wingdings" pitchFamily="2" charset="2"/>
-              <a:buChar char="v"/>
-            </a:pPr>
-            <a:r>
-              <a:rPr lang="pt-BR" sz="3200" dirty="0"/>
-              <a:t> </a:t>
-            </a:r>
-            <a:r>
-              <a:rPr lang="pt-BR" sz="3200" dirty="0" err="1"/>
-              <a:t>Skills</a:t>
-            </a:r>
-            <a:endParaRPr lang="pt-BR" sz="3200" dirty="0"/>
-          </a:p>
-        </p:txBody>
-      </p:sp>
-      <p:sp>
-        <p:nvSpPr>
-          <p:cNvPr id="10" name="Subtítulo 2"/>
-          <p:cNvSpPr txBox="1">
-            <a:spLocks/>
-          </p:cNvSpPr>
-          <p:nvPr/>
-        </p:nvSpPr>
-        <p:spPr>
-          <a:xfrm>
-            <a:off x="1752600" y="5181600"/>
-            <a:ext cx="6172200" cy="609600"/>
-          </a:xfrm>
-          <a:prstGeom prst="rect">
-            <a:avLst/>
-          </a:prstGeom>
-        </p:spPr>
-        <p:txBody>
-          <a:bodyPr vert="horz" lIns="91440" tIns="45720" rIns="91440" bIns="45720" rtlCol="0">
-            <a:normAutofit/>
-          </a:bodyPr>
-          <a:lstStyle>
-            <a:lvl1pPr marL="0" indent="-274320" algn="l" defTabSz="914400" rtl="0" eaLnBrk="1" latinLnBrk="0" hangingPunct="1">
-              <a:lnSpc>
-                <a:spcPct val="150000"/>
-              </a:lnSpc>
-              <a:spcBef>
-                <a:spcPct val="20000"/>
-              </a:spcBef>
-              <a:buClrTx/>
-              <a:buFont typeface="Wingdings" pitchFamily="2" charset="2"/>
-              <a:buChar char="v"/>
-              <a:defRPr sz="1800" kern="1200" baseline="0">
-                <a:solidFill>
-                  <a:schemeClr val="tx1"/>
-                </a:solidFill>
-                <a:latin typeface="+mn-lt"/>
-                <a:ea typeface="+mn-ea"/>
-                <a:cs typeface="+mn-cs"/>
-              </a:defRPr>
-            </a:lvl1pPr>
-            <a:lvl2pPr marL="742950" indent="-228600" algn="l" defTabSz="914400" rtl="0" eaLnBrk="1" latinLnBrk="0" hangingPunct="1">
-              <a:spcBef>
-                <a:spcPct val="20000"/>
-              </a:spcBef>
-              <a:buClrTx/>
-              <a:buFont typeface="Arial" pitchFamily="34" charset="0"/>
-              <a:buChar char="•"/>
-              <a:defRPr sz="1600" kern="1200" baseline="0">
-                <a:solidFill>
-                  <a:schemeClr val="tx1"/>
-                </a:solidFill>
-                <a:latin typeface="+mn-lt"/>
-                <a:ea typeface="+mn-ea"/>
-                <a:cs typeface="+mn-cs"/>
-              </a:defRPr>
-            </a:lvl2pPr>
-            <a:lvl3pPr marL="1143000" indent="-228600" algn="l" defTabSz="914400" rtl="0" eaLnBrk="1" latinLnBrk="0" hangingPunct="1">
-              <a:spcBef>
-                <a:spcPct val="20000"/>
-              </a:spcBef>
-              <a:buClrTx/>
-              <a:buFont typeface="Arial" pitchFamily="34" charset="0"/>
-              <a:buChar char="•"/>
-              <a:defRPr sz="1400" kern="1200" baseline="0">
-                <a:solidFill>
-                  <a:schemeClr val="tx1"/>
-                </a:solidFill>
-                <a:latin typeface="+mn-lt"/>
-                <a:ea typeface="+mn-ea"/>
-                <a:cs typeface="+mn-cs"/>
-              </a:defRPr>
-            </a:lvl3pPr>
-            <a:lvl4pPr marL="1600200" indent="-228600" algn="l" defTabSz="914400" rtl="0" eaLnBrk="1" latinLnBrk="0" hangingPunct="1">
-              <a:spcBef>
-                <a:spcPct val="20000"/>
-              </a:spcBef>
-              <a:buClrTx/>
-              <a:buFont typeface="Arial" pitchFamily="34" charset="0"/>
-              <a:buChar char="•"/>
-              <a:defRPr sz="1400" kern="1200" baseline="0">
-                <a:solidFill>
-                  <a:schemeClr val="tx1"/>
-                </a:solidFill>
-                <a:latin typeface="+mn-lt"/>
-                <a:ea typeface="+mn-ea"/>
-                <a:cs typeface="+mn-cs"/>
-              </a:defRPr>
-            </a:lvl4pPr>
-            <a:lvl5pPr marL="2057400" indent="-228600" algn="l" defTabSz="914400" rtl="0" eaLnBrk="1" latinLnBrk="0" hangingPunct="1">
-              <a:spcBef>
-                <a:spcPct val="20000"/>
-              </a:spcBef>
-              <a:buClrTx/>
-              <a:buFont typeface="Arial" pitchFamily="34" charset="0"/>
-              <a:buChar char="•"/>
-              <a:defRPr sz="1400" kern="1200" baseline="0">
-                <a:solidFill>
-                  <a:schemeClr val="tx1"/>
-                </a:solidFill>
-                <a:latin typeface="+mn-lt"/>
-                <a:ea typeface="+mn-ea"/>
-                <a:cs typeface="+mn-cs"/>
-              </a:defRPr>
-            </a:lvl5pPr>
-            <a:lvl6pPr marL="2514600" indent="-228600" algn="l" defTabSz="914400" rtl="0" eaLnBrk="1" latinLnBrk="0" hangingPunct="1">
-              <a:spcBef>
-                <a:spcPct val="20000"/>
-              </a:spcBef>
-              <a:buClrTx/>
-              <a:buFont typeface="Arial" pitchFamily="34" charset="0"/>
-              <a:buChar char="•"/>
-              <a:defRPr sz="1400" kern="1200">
-                <a:solidFill>
-                  <a:schemeClr val="tx1"/>
-                </a:solidFill>
-                <a:latin typeface="+mn-lt"/>
-                <a:ea typeface="+mn-ea"/>
-                <a:cs typeface="+mn-cs"/>
-              </a:defRPr>
-            </a:lvl6pPr>
-            <a:lvl7pPr marL="2971800" indent="-228600" algn="l" defTabSz="914400" rtl="0" eaLnBrk="1" latinLnBrk="0" hangingPunct="1">
-              <a:spcBef>
-                <a:spcPct val="20000"/>
-              </a:spcBef>
-              <a:buClrTx/>
-              <a:buFont typeface="Arial" pitchFamily="34" charset="0"/>
-              <a:buChar char="•"/>
-              <a:defRPr sz="1200" kern="1200">
-                <a:solidFill>
-                  <a:schemeClr val="tx1"/>
-                </a:solidFill>
-                <a:latin typeface="+mn-lt"/>
-                <a:ea typeface="+mn-ea"/>
-                <a:cs typeface="+mn-cs"/>
-              </a:defRPr>
-            </a:lvl7pPr>
-            <a:lvl8pPr marL="3429000" indent="-228600" algn="l" defTabSz="914400" rtl="0" eaLnBrk="1" latinLnBrk="0" hangingPunct="1">
-              <a:spcBef>
-                <a:spcPct val="20000"/>
-              </a:spcBef>
-              <a:buClrTx/>
-              <a:buFont typeface="Arial" pitchFamily="34" charset="0"/>
-              <a:buChar char="•"/>
-              <a:defRPr sz="1200" kern="1200" baseline="0">
-                <a:solidFill>
-                  <a:schemeClr val="tx1"/>
-                </a:solidFill>
-                <a:latin typeface="+mn-lt"/>
-                <a:ea typeface="+mn-ea"/>
-                <a:cs typeface="+mn-cs"/>
-              </a:defRPr>
-            </a:lvl8pPr>
-            <a:lvl9pPr marL="3886200" indent="-228600" algn="l" defTabSz="914400" rtl="0" eaLnBrk="1" latinLnBrk="0" hangingPunct="1">
-              <a:spcBef>
-                <a:spcPct val="20000"/>
-              </a:spcBef>
-              <a:buClrTx/>
-              <a:buFont typeface="Arial" pitchFamily="34" charset="0"/>
-              <a:buChar char="•"/>
-              <a:defRPr sz="1200" kern="1200">
-                <a:solidFill>
-                  <a:schemeClr val="tx1"/>
-                </a:solidFill>
-                <a:latin typeface="+mn-lt"/>
-                <a:ea typeface="+mn-ea"/>
-                <a:cs typeface="+mn-cs"/>
-              </a:defRPr>
-            </a:lvl9pPr>
-          </a:lstStyle>
-          <a:p>
-            <a:r>
-              <a:rPr lang="en-US" dirty="0"/>
-              <a:t>https://www.youtube.com/watch?v=DFXkc9AGoeU</a:t>
-            </a:r>
-            <a:endParaRPr lang="pt-BR" dirty="0"/>
-          </a:p>
-        </p:txBody>
-      </p:sp>
-      <p:sp>
-        <p:nvSpPr>
-          <p:cNvPr id="11" name="CaixaDeTexto 10"/>
-          <p:cNvSpPr txBox="1"/>
-          <p:nvPr/>
-        </p:nvSpPr>
-        <p:spPr>
-          <a:xfrm>
-            <a:off x="6019800" y="1828800"/>
-            <a:ext cx="1371600" cy="369332"/>
-          </a:xfrm>
-          <a:prstGeom prst="rect">
-            <a:avLst/>
-          </a:prstGeom>
-          <a:noFill/>
-        </p:spPr>
-        <p:txBody>
-          <a:bodyPr wrap="square" rtlCol="0">
-            <a:spAutoFit/>
-          </a:bodyPr>
-          <a:lstStyle/>
-          <a:p>
-            <a:pPr algn="r"/>
-            <a:r>
-              <a:rPr lang="pt-BR" i="1" dirty="0"/>
-              <a:t>1874 - 1951</a:t>
-            </a:r>
-          </a:p>
-        </p:txBody>
-      </p:sp>
-      <p:sp>
-        <p:nvSpPr>
-          <p:cNvPr id="2" name="AutoShape 2" descr="Resultado de imagem para ravel"/>
-          <p:cNvSpPr>
-            <a:spLocks noChangeAspect="1" noChangeArrowheads="1"/>
-          </p:cNvSpPr>
-          <p:nvPr/>
-        </p:nvSpPr>
-        <p:spPr bwMode="auto">
-          <a:xfrm>
-            <a:off x="155575" y="-144463"/>
-            <a:ext cx="304800" cy="304801"/>
-          </a:xfrm>
-          <a:prstGeom prst="rect">
-            <a:avLst/>
-          </a:prstGeom>
-          <a:noFill/>
-          <a:extLst>
-            <a:ext uri="{909E8E84-426E-40DD-AFC4-6F175D3DCCD1}">
-              <a14:hiddenFill xmlns:a14="http://schemas.microsoft.com/office/drawing/2010/main">
-                <a:solidFill>
-                  <a:srgbClr val="FFFFFF"/>
-                </a:solidFill>
-              </a14:hiddenFill>
-            </a:ext>
-          </a:extLst>
-        </p:spPr>
-        <p:txBody>
-          <a:bodyPr vert="horz" wrap="square" lIns="91440" tIns="45720" rIns="91440" bIns="45720" numCol="1" anchor="t" anchorCtr="0" compatLnSpc="1">
-            <a:prstTxWarp prst="textNoShape">
-              <a:avLst/>
-            </a:prstTxWarp>
-          </a:bodyPr>
-          <a:lstStyle/>
-          <a:p>
-            <a:endParaRPr lang="en-AU"/>
-          </a:p>
-        </p:txBody>
-      </p:sp>
-      <p:sp>
-        <p:nvSpPr>
-          <p:cNvPr id="6" name="AutoShape 4" descr="Resultado de imagem para ravel"/>
-          <p:cNvSpPr>
-            <a:spLocks noChangeAspect="1" noChangeArrowheads="1"/>
-          </p:cNvSpPr>
-          <p:nvPr/>
-        </p:nvSpPr>
-        <p:spPr bwMode="auto">
-          <a:xfrm>
-            <a:off x="307975" y="7937"/>
-            <a:ext cx="304800" cy="304801"/>
-          </a:xfrm>
-          <a:prstGeom prst="rect">
-            <a:avLst/>
-          </a:prstGeom>
-          <a:noFill/>
-          <a:extLst>
-            <a:ext uri="{909E8E84-426E-40DD-AFC4-6F175D3DCCD1}">
-              <a14:hiddenFill xmlns:a14="http://schemas.microsoft.com/office/drawing/2010/main">
-                <a:solidFill>
-                  <a:srgbClr val="FFFFFF"/>
-                </a:solidFill>
-              </a14:hiddenFill>
-            </a:ext>
-          </a:extLst>
-        </p:spPr>
-        <p:txBody>
-          <a:bodyPr vert="horz" wrap="square" lIns="91440" tIns="45720" rIns="91440" bIns="45720" numCol="1" anchor="t" anchorCtr="0" compatLnSpc="1">
-            <a:prstTxWarp prst="textNoShape">
-              <a:avLst/>
-            </a:prstTxWarp>
-          </a:bodyPr>
-          <a:lstStyle/>
-          <a:p>
-            <a:endParaRPr lang="en-AU"/>
-          </a:p>
-        </p:txBody>
-      </p:sp>
-      <p:pic>
-        <p:nvPicPr>
-          <p:cNvPr id="3" name="Imagem 2"/>
-          <p:cNvPicPr>
-            <a:picLocks noChangeAspect="1"/>
-          </p:cNvPicPr>
-          <p:nvPr/>
-        </p:nvPicPr>
-        <p:blipFill>
-          <a:blip r:embed="rId2">
-            <a:extLst>
-              <a:ext uri="{28A0092B-C50C-407E-A947-70E740481C1C}">
-                <a14:useLocalDpi xmlns:a14="http://schemas.microsoft.com/office/drawing/2010/main" val="0"/>
-              </a:ext>
-            </a:extLst>
-          </a:blip>
-          <a:stretch>
-            <a:fillRect/>
-          </a:stretch>
-        </p:blipFill>
-        <p:spPr>
-          <a:xfrm>
-            <a:off x="4948237" y="2514600"/>
-            <a:ext cx="2374523" cy="2374523"/>
-          </a:xfrm>
-          <a:prstGeom prst="rect">
-            <a:avLst/>
-          </a:prstGeom>
-        </p:spPr>
-      </p:pic>
-    </p:spTree>
-    <p:extLst>
-      <p:ext uri="{BB962C8B-B14F-4D97-AF65-F5344CB8AC3E}">
-        <p14:creationId xmlns:p14="http://schemas.microsoft.com/office/powerpoint/2010/main" val="1604939769"/>
       </p:ext>
     </p:extLst>
   </p:cSld>

--- a/fullstack/projeto1/history music.pptx
+++ b/fullstack/projeto1/history music.pptx
@@ -164,7 +164,7 @@
   <pc:docChgLst>
     <pc:chgData name="Marcus Rodrigues Nogueira de Macedo" userId="7f8c6c2b79a6e5ea" providerId="LiveId" clId="{E432CE47-5AE7-4CB1-93A2-0583C9DA253F}"/>
     <pc:docChg chg="undo custSel delSld modSld">
-      <pc:chgData name="Marcus Rodrigues Nogueira de Macedo" userId="7f8c6c2b79a6e5ea" providerId="LiveId" clId="{E432CE47-5AE7-4CB1-93A2-0583C9DA253F}" dt="2020-11-14T20:12:27.950" v="11" actId="47"/>
+      <pc:chgData name="Marcus Rodrigues Nogueira de Macedo" userId="7f8c6c2b79a6e5ea" providerId="LiveId" clId="{E432CE47-5AE7-4CB1-93A2-0583C9DA253F}" dt="2020-11-20T18:58:50.710" v="12"/>
       <pc:docMkLst>
         <pc:docMk/>
       </pc:docMkLst>
@@ -197,6 +197,21 @@
             <ac:picMk id="11" creationId="{7ABB6C74-FA17-4EC3-8925-2A8711461776}"/>
           </ac:picMkLst>
         </pc:picChg>
+      </pc:sldChg>
+      <pc:sldChg chg="modSp mod">
+        <pc:chgData name="Marcus Rodrigues Nogueira de Macedo" userId="7f8c6c2b79a6e5ea" providerId="LiveId" clId="{E432CE47-5AE7-4CB1-93A2-0583C9DA253F}" dt="2020-11-20T18:58:50.710" v="12"/>
+        <pc:sldMkLst>
+          <pc:docMk/>
+          <pc:sldMk cId="3754828206" sldId="276"/>
+        </pc:sldMkLst>
+        <pc:spChg chg="mod">
+          <ac:chgData name="Marcus Rodrigues Nogueira de Macedo" userId="7f8c6c2b79a6e5ea" providerId="LiveId" clId="{E432CE47-5AE7-4CB1-93A2-0583C9DA253F}" dt="2020-11-20T18:58:50.710" v="12"/>
+          <ac:spMkLst>
+            <pc:docMk/>
+            <pc:sldMk cId="3754828206" sldId="276"/>
+            <ac:spMk id="10" creationId="{00000000-0000-0000-0000-000000000000}"/>
+          </ac:spMkLst>
+        </pc:spChg>
       </pc:sldChg>
       <pc:sldChg chg="addSp delSp del mod">
         <pc:chgData name="Marcus Rodrigues Nogueira de Macedo" userId="7f8c6c2b79a6e5ea" providerId="LiveId" clId="{E432CE47-5AE7-4CB1-93A2-0583C9DA253F}" dt="2020-11-14T20:12:27.950" v="11" actId="47"/>
@@ -435,7 +450,7 @@
           <a:p>
             <a:fld id="{8D3E9113-84F6-404A-8811-DADFCA3D4A90}" type="datetimeFigureOut">
               <a:rPr lang="pt-BR" smtClean="0"/>
-              <a:t>14/11/2020</a:t>
+              <a:t>20/11/2020</a:t>
             </a:fld>
             <a:endParaRPr lang="pt-BR"/>
           </a:p>
@@ -600,7 +615,7 @@
           <a:p>
             <a:fld id="{8D3E9113-84F6-404A-8811-DADFCA3D4A90}" type="datetimeFigureOut">
               <a:rPr lang="pt-BR" smtClean="0"/>
-              <a:t>14/11/2020</a:t>
+              <a:t>20/11/2020</a:t>
             </a:fld>
             <a:endParaRPr lang="pt-BR"/>
           </a:p>
@@ -775,7 +790,7 @@
           <a:p>
             <a:fld id="{8D3E9113-84F6-404A-8811-DADFCA3D4A90}" type="datetimeFigureOut">
               <a:rPr lang="pt-BR" smtClean="0"/>
-              <a:t>14/11/2020</a:t>
+              <a:t>20/11/2020</a:t>
             </a:fld>
             <a:endParaRPr lang="pt-BR"/>
           </a:p>
@@ -945,7 +960,7 @@
           <a:p>
             <a:fld id="{8D3E9113-84F6-404A-8811-DADFCA3D4A90}" type="datetimeFigureOut">
               <a:rPr lang="pt-BR" smtClean="0"/>
-              <a:t>14/11/2020</a:t>
+              <a:t>20/11/2020</a:t>
             </a:fld>
             <a:endParaRPr lang="pt-BR"/>
           </a:p>
@@ -1068,7 +1083,7 @@
           <a:p>
             <a:fld id="{8D3E9113-84F6-404A-8811-DADFCA3D4A90}" type="datetimeFigureOut">
               <a:rPr lang="pt-BR" smtClean="0"/>
-              <a:t>14/11/2020</a:t>
+              <a:t>20/11/2020</a:t>
             </a:fld>
             <a:endParaRPr lang="pt-BR"/>
           </a:p>
@@ -1458,7 +1473,7 @@
           <a:p>
             <a:fld id="{8D3E9113-84F6-404A-8811-DADFCA3D4A90}" type="datetimeFigureOut">
               <a:rPr lang="pt-BR" smtClean="0"/>
-              <a:t>14/11/2020</a:t>
+              <a:t>20/11/2020</a:t>
             </a:fld>
             <a:endParaRPr lang="pt-BR"/>
           </a:p>
@@ -1947,7 +1962,7 @@
           <a:p>
             <a:fld id="{8D3E9113-84F6-404A-8811-DADFCA3D4A90}" type="datetimeFigureOut">
               <a:rPr lang="pt-BR" smtClean="0"/>
-              <a:t>14/11/2020</a:t>
+              <a:t>20/11/2020</a:t>
             </a:fld>
             <a:endParaRPr lang="pt-BR"/>
           </a:p>
@@ -2060,7 +2075,7 @@
           <a:p>
             <a:fld id="{8D3E9113-84F6-404A-8811-DADFCA3D4A90}" type="datetimeFigureOut">
               <a:rPr lang="pt-BR" smtClean="0"/>
-              <a:t>14/11/2020</a:t>
+              <a:t>20/11/2020</a:t>
             </a:fld>
             <a:endParaRPr lang="pt-BR"/>
           </a:p>
@@ -2183,7 +2198,7 @@
           <a:p>
             <a:fld id="{8D3E9113-84F6-404A-8811-DADFCA3D4A90}" type="datetimeFigureOut">
               <a:rPr lang="pt-BR" smtClean="0"/>
-              <a:t>14/11/2020</a:t>
+              <a:t>20/11/2020</a:t>
             </a:fld>
             <a:endParaRPr lang="pt-BR"/>
           </a:p>
@@ -2372,7 +2387,7 @@
           <a:p>
             <a:fld id="{8D3E9113-84F6-404A-8811-DADFCA3D4A90}" type="datetimeFigureOut">
               <a:rPr lang="pt-BR" smtClean="0"/>
-              <a:t>14/11/2020</a:t>
+              <a:t>20/11/2020</a:t>
             </a:fld>
             <a:endParaRPr lang="pt-BR"/>
           </a:p>
@@ -2755,7 +2770,7 @@
           <a:p>
             <a:fld id="{8D3E9113-84F6-404A-8811-DADFCA3D4A90}" type="datetimeFigureOut">
               <a:rPr lang="pt-BR" smtClean="0"/>
-              <a:t>14/11/2020</a:t>
+              <a:t>20/11/2020</a:t>
             </a:fld>
             <a:endParaRPr lang="pt-BR"/>
           </a:p>
@@ -2991,7 +3006,7 @@
           <a:p>
             <a:fld id="{8D3E9113-84F6-404A-8811-DADFCA3D4A90}" type="datetimeFigureOut">
               <a:rPr lang="pt-BR" smtClean="0"/>
-              <a:t>14/11/2020</a:t>
+              <a:t>20/11/2020</a:t>
             </a:fld>
             <a:endParaRPr lang="pt-BR"/>
           </a:p>
@@ -6179,7 +6194,7 @@
           <a:p>
             <a:r>
               <a:rPr lang="en-US" dirty="0"/>
-              <a:t>https://www.youtube.com/watch?v=rrVDATvUitA</a:t>
+              <a:t>https://www.youtube.com/watch?v=90dyq01MCZM</a:t>
             </a:r>
             <a:endParaRPr lang="pt-BR" dirty="0"/>
           </a:p>
